--- a/CHING JIAN/AppInventor/00_App Inventor 2 安裝與啟用指引_網路版.pptx
+++ b/CHING JIAN/AppInventor/00_App Inventor 2 安裝與啟用指引_網路版.pptx
@@ -10,17 +10,18 @@
     <p:sldId id="257" r:id="rId4"/>
     <p:sldId id="258" r:id="rId5"/>
     <p:sldId id="286" r:id="rId6"/>
-    <p:sldId id="287" r:id="rId7"/>
-    <p:sldId id="288" r:id="rId8"/>
-    <p:sldId id="275" r:id="rId9"/>
-    <p:sldId id="278" r:id="rId10"/>
-    <p:sldId id="279" r:id="rId11"/>
-    <p:sldId id="280" r:id="rId12"/>
-    <p:sldId id="281" r:id="rId13"/>
-    <p:sldId id="282" r:id="rId14"/>
-    <p:sldId id="283" r:id="rId15"/>
-    <p:sldId id="284" r:id="rId16"/>
-    <p:sldId id="285" r:id="rId17"/>
+    <p:sldId id="289" r:id="rId7"/>
+    <p:sldId id="287" r:id="rId8"/>
+    <p:sldId id="288" r:id="rId9"/>
+    <p:sldId id="275" r:id="rId10"/>
+    <p:sldId id="278" r:id="rId11"/>
+    <p:sldId id="279" r:id="rId12"/>
+    <p:sldId id="280" r:id="rId13"/>
+    <p:sldId id="281" r:id="rId14"/>
+    <p:sldId id="282" r:id="rId15"/>
+    <p:sldId id="283" r:id="rId16"/>
+    <p:sldId id="284" r:id="rId17"/>
+    <p:sldId id="285" r:id="rId18"/>
   </p:sldIdLst>
   <p:sldSz cx="12192000" cy="6858000"/>
   <p:notesSz cx="6858000" cy="9144000"/>
@@ -309,7 +310,7 @@
             <a:fld id="{B61BEF0D-F0BB-DE4B-95CE-6DB70DBA9567}" type="datetimeFigureOut">
               <a:rPr lang="en-US" smtClean="0"/>
               <a:pPr/>
-              <a:t>12/19/2020</a:t>
+              <a:t>7/25/2021</a:t>
             </a:fld>
             <a:endParaRPr lang="en-US" dirty="0"/>
           </a:p>
@@ -578,7 +579,7 @@
             <a:fld id="{B61BEF0D-F0BB-DE4B-95CE-6DB70DBA9567}" type="datetimeFigureOut">
               <a:rPr lang="en-US" smtClean="0"/>
               <a:pPr/>
-              <a:t>12/19/2020</a:t>
+              <a:t>7/25/2021</a:t>
             </a:fld>
             <a:endParaRPr lang="en-US" dirty="0"/>
           </a:p>
@@ -811,7 +812,7 @@
             <a:fld id="{B61BEF0D-F0BB-DE4B-95CE-6DB70DBA9567}" type="datetimeFigureOut">
               <a:rPr lang="en-US" smtClean="0"/>
               <a:pPr/>
-              <a:t>12/19/2020</a:t>
+              <a:t>7/25/2021</a:t>
             </a:fld>
             <a:endParaRPr lang="en-US" dirty="0"/>
           </a:p>
@@ -1123,7 +1124,7 @@
             <a:fld id="{B61BEF0D-F0BB-DE4B-95CE-6DB70DBA9567}" type="datetimeFigureOut">
               <a:rPr lang="en-US" smtClean="0"/>
               <a:pPr/>
-              <a:t>12/19/2020</a:t>
+              <a:t>7/25/2021</a:t>
             </a:fld>
             <a:endParaRPr lang="en-US" dirty="0"/>
           </a:p>
@@ -1598,7 +1599,7 @@
             <a:fld id="{B61BEF0D-F0BB-DE4B-95CE-6DB70DBA9567}" type="datetimeFigureOut">
               <a:rPr lang="en-US" smtClean="0"/>
               <a:pPr/>
-              <a:t>12/19/2020</a:t>
+              <a:t>7/25/2021</a:t>
             </a:fld>
             <a:endParaRPr lang="en-US" dirty="0"/>
           </a:p>
@@ -2147,7 +2148,7 @@
             <a:fld id="{B61BEF0D-F0BB-DE4B-95CE-6DB70DBA9567}" type="datetimeFigureOut">
               <a:rPr lang="en-US" smtClean="0"/>
               <a:pPr/>
-              <a:t>12/19/2020</a:t>
+              <a:t>7/25/2021</a:t>
             </a:fld>
             <a:endParaRPr lang="en-US" dirty="0"/>
           </a:p>
@@ -2923,7 +2924,7 @@
             <a:fld id="{B61BEF0D-F0BB-DE4B-95CE-6DB70DBA9567}" type="datetimeFigureOut">
               <a:rPr lang="en-US" smtClean="0"/>
               <a:pPr/>
-              <a:t>12/19/2020</a:t>
+              <a:t>7/25/2021</a:t>
             </a:fld>
             <a:endParaRPr lang="en-US" dirty="0"/>
           </a:p>
@@ -3100,7 +3101,7 @@
             <a:fld id="{B61BEF0D-F0BB-DE4B-95CE-6DB70DBA9567}" type="datetimeFigureOut">
               <a:rPr lang="en-US" smtClean="0"/>
               <a:pPr/>
-              <a:t>12/19/2020</a:t>
+              <a:t>7/25/2021</a:t>
             </a:fld>
             <a:endParaRPr lang="en-US" dirty="0"/>
           </a:p>
@@ -3325,7 +3326,7 @@
             <a:fld id="{B61BEF0D-F0BB-DE4B-95CE-6DB70DBA9567}" type="datetimeFigureOut">
               <a:rPr lang="en-US" smtClean="0"/>
               <a:pPr/>
-              <a:t>12/19/2020</a:t>
+              <a:t>7/25/2021</a:t>
             </a:fld>
             <a:endParaRPr lang="en-US" dirty="0"/>
           </a:p>
@@ -3507,7 +3508,7 @@
             <a:fld id="{B61BEF0D-F0BB-DE4B-95CE-6DB70DBA9567}" type="datetimeFigureOut">
               <a:rPr lang="en-US" smtClean="0"/>
               <a:pPr/>
-              <a:t>12/19/2020</a:t>
+              <a:t>7/25/2021</a:t>
             </a:fld>
             <a:endParaRPr lang="en-US" dirty="0"/>
           </a:p>
@@ -3798,7 +3799,7 @@
             <a:fld id="{B61BEF0D-F0BB-DE4B-95CE-6DB70DBA9567}" type="datetimeFigureOut">
               <a:rPr lang="en-US" smtClean="0"/>
               <a:pPr/>
-              <a:t>12/19/2020</a:t>
+              <a:t>7/25/2021</a:t>
             </a:fld>
             <a:endParaRPr lang="en-US" dirty="0"/>
           </a:p>
@@ -4042,7 +4043,7 @@
             <a:fld id="{B61BEF0D-F0BB-DE4B-95CE-6DB70DBA9567}" type="datetimeFigureOut">
               <a:rPr lang="en-US" smtClean="0"/>
               <a:pPr/>
-              <a:t>12/19/2020</a:t>
+              <a:t>7/25/2021</a:t>
             </a:fld>
             <a:endParaRPr lang="en-US" dirty="0"/>
           </a:p>
@@ -4423,7 +4424,7 @@
             <a:fld id="{B61BEF0D-F0BB-DE4B-95CE-6DB70DBA9567}" type="datetimeFigureOut">
               <a:rPr lang="en-US" smtClean="0"/>
               <a:pPr/>
-              <a:t>12/19/2020</a:t>
+              <a:t>7/25/2021</a:t>
             </a:fld>
             <a:endParaRPr lang="en-US" dirty="0"/>
           </a:p>
@@ -4543,7 +4544,7 @@
             <a:fld id="{B61BEF0D-F0BB-DE4B-95CE-6DB70DBA9567}" type="datetimeFigureOut">
               <a:rPr lang="en-US" smtClean="0"/>
               <a:pPr/>
-              <a:t>12/19/2020</a:t>
+              <a:t>7/25/2021</a:t>
             </a:fld>
             <a:endParaRPr lang="en-US" dirty="0"/>
           </a:p>
@@ -4640,7 +4641,7 @@
             <a:fld id="{B61BEF0D-F0BB-DE4B-95CE-6DB70DBA9567}" type="datetimeFigureOut">
               <a:rPr lang="en-US" smtClean="0"/>
               <a:pPr/>
-              <a:t>12/19/2020</a:t>
+              <a:t>7/25/2021</a:t>
             </a:fld>
             <a:endParaRPr lang="en-US" dirty="0"/>
           </a:p>
@@ -4891,7 +4892,7 @@
             <a:fld id="{B61BEF0D-F0BB-DE4B-95CE-6DB70DBA9567}" type="datetimeFigureOut">
               <a:rPr lang="en-US" smtClean="0"/>
               <a:pPr/>
-              <a:t>12/19/2020</a:t>
+              <a:t>7/25/2021</a:t>
             </a:fld>
             <a:endParaRPr lang="en-US" dirty="0"/>
           </a:p>
@@ -5150,7 +5151,7 @@
             <a:fld id="{B61BEF0D-F0BB-DE4B-95CE-6DB70DBA9567}" type="datetimeFigureOut">
               <a:rPr lang="en-US" smtClean="0"/>
               <a:pPr/>
-              <a:t>12/19/2020</a:t>
+              <a:t>7/25/2021</a:t>
             </a:fld>
             <a:endParaRPr lang="en-US" dirty="0"/>
           </a:p>
@@ -5395,7 +5396,7 @@
             <a:fld id="{B61BEF0D-F0BB-DE4B-95CE-6DB70DBA9567}" type="datetimeFigureOut">
               <a:rPr lang="en-US" smtClean="0"/>
               <a:pPr/>
-              <a:t>12/19/2020</a:t>
+              <a:t>7/25/2021</a:t>
             </a:fld>
             <a:endParaRPr lang="en-US" dirty="0"/>
           </a:p>
@@ -5891,7 +5892,7 @@
           <a:p>
             <a:fld id="{F7660503-DF43-4A7C-BF78-5148C24FF462}" type="datetime5">
               <a:rPr lang="zh-TW" altLang="en-US" smtClean="0"/>
-              <a:t>2020年12月19日星期六</a:t>
+              <a:t>2021年7月25日星期日</a:t>
             </a:fld>
             <a:endParaRPr lang="en-US" altLang="zh-TW" dirty="0" smtClean="0"/>
           </a:p>
@@ -5957,11 +5958,7 @@
           <a:p>
             <a:r>
               <a:rPr lang="zh-TW" altLang="en-US" dirty="0" smtClean="0"/>
-              <a:t>啟動</a:t>
-            </a:r>
-            <a:r>
-              <a:rPr lang="en-US" altLang="zh-TW" dirty="0" smtClean="0"/>
-              <a:t>AI2 Starter</a:t>
+              <a:t>啟用步驟</a:t>
             </a:r>
             <a:endParaRPr lang="zh-TW" altLang="en-US" dirty="0"/>
           </a:p>
@@ -5979,16 +5976,105 @@
         </p:nvSpPr>
         <p:spPr/>
         <p:txBody>
-          <a:bodyPr/>
-          <a:lstStyle/>
-          <a:p>
+          <a:bodyPr>
+            <a:normAutofit/>
+          </a:bodyPr>
+          <a:lstStyle/>
+          <a:p>
+            <a:r>
+              <a:rPr lang="zh-TW" altLang="en-US" dirty="0" smtClean="0"/>
+              <a:t>使用</a:t>
+            </a:r>
+            <a:r>
+              <a:rPr lang="en-US" altLang="zh-TW" dirty="0" err="1" smtClean="0"/>
+              <a:t>Wifi</a:t>
+            </a:r>
+            <a:r>
+              <a:rPr lang="zh-TW" altLang="en-US" dirty="0" smtClean="0"/>
+              <a:t>連結之啟用步驟：</a:t>
+            </a:r>
+            <a:endParaRPr lang="en-US" altLang="zh-TW" dirty="0"/>
+          </a:p>
+          <a:p>
+            <a:pPr marL="914400" lvl="1" indent="-457200">
+              <a:buFont typeface="+mj-lt"/>
+              <a:buAutoNum type="arabicPeriod"/>
+            </a:pPr>
+            <a:r>
+              <a:rPr lang="zh-TW" altLang="en-US" dirty="0" smtClean="0"/>
+              <a:t>請把</a:t>
+            </a:r>
             <a:r>
               <a:rPr lang="zh-TW" altLang="en-US" dirty="0"/>
-              <a:t>點選桌面</a:t>
+              <a:t>主機跟手機連上同一個</a:t>
+            </a:r>
+            <a:r>
+              <a:rPr lang="en-US" altLang="zh-TW" dirty="0" err="1"/>
+              <a:t>Wifi</a:t>
+            </a:r>
+            <a:r>
+              <a:rPr lang="zh-TW" altLang="en-US" dirty="0"/>
+              <a:t>網域</a:t>
+            </a:r>
+            <a:r>
+              <a:rPr lang="en-US" altLang="zh-TW" dirty="0"/>
+              <a:t>(</a:t>
+            </a:r>
+            <a:r>
+              <a:rPr lang="zh-TW" altLang="en-US" dirty="0"/>
+              <a:t>同一個</a:t>
+            </a:r>
+            <a:r>
+              <a:rPr lang="en-US" altLang="zh-TW" dirty="0"/>
+              <a:t>LAN)</a:t>
+            </a:r>
+          </a:p>
+          <a:p>
+            <a:pPr marL="914400" lvl="1" indent="-457200">
+              <a:buFont typeface="+mj-lt"/>
+              <a:buAutoNum type="arabicPeriod"/>
+            </a:pPr>
+            <a:r>
+              <a:rPr lang="zh-TW" altLang="en-US" dirty="0"/>
+              <a:t>手機上啟動</a:t>
+            </a:r>
+            <a:r>
+              <a:rPr lang="en-US" altLang="zh-TW" b="1" dirty="0"/>
+              <a:t>AI2 Companion APP</a:t>
+            </a:r>
+          </a:p>
+          <a:p>
+            <a:pPr marL="914400" lvl="1" indent="-457200">
+              <a:buFont typeface="+mj-lt"/>
+              <a:buAutoNum type="arabicPeriod"/>
+            </a:pPr>
+            <a:r>
+              <a:rPr lang="zh-TW" altLang="en-US" dirty="0"/>
+              <a:t>在主機上開啟</a:t>
+            </a:r>
+            <a:r>
+              <a:rPr lang="en-US" altLang="zh-TW" dirty="0"/>
+              <a:t>Chrome</a:t>
+            </a:r>
+            <a:r>
+              <a:rPr lang="zh-TW" altLang="en-US" dirty="0"/>
+              <a:t>瀏覽器</a:t>
             </a:r>
             <a:r>
               <a:rPr lang="zh-TW" altLang="en-US" dirty="0" smtClean="0"/>
-              <a:t>的</a:t>
+              <a:t>，</a:t>
+            </a:r>
+            <a:r>
+              <a:rPr lang="zh-TW" altLang="en-US" dirty="0"/>
+              <a:t>網址</a:t>
+            </a:r>
+            <a:r>
+              <a:rPr lang="en-US" altLang="zh-TW" b="1" dirty="0">
+                <a:solidFill>
+                  <a:srgbClr val="FF0000"/>
+                </a:solidFill>
+              </a:rPr>
+              <a:t>https://appinventor.mit.edu</a:t>
             </a:r>
             <a:r>
               <a:rPr lang="en-US" altLang="zh-TW" b="1" dirty="0" smtClean="0">
@@ -5996,290 +6082,229 @@
                   <a:srgbClr val="FF0000"/>
                 </a:solidFill>
               </a:rPr>
-              <a:t>AI2 Starter</a:t>
-            </a:r>
-            <a:endParaRPr lang="en-US" altLang="zh-TW" b="1" dirty="0">
+              <a:t>/</a:t>
+            </a:r>
+            <a:r>
+              <a:rPr lang="zh-TW" altLang="en-US" dirty="0" smtClean="0"/>
+              <a:t>，</a:t>
+            </a:r>
+            <a:r>
+              <a:rPr lang="zh-TW" altLang="en-US" dirty="0"/>
+              <a:t>並登入。</a:t>
+            </a:r>
+            <a:endParaRPr lang="en-US" altLang="zh-TW" dirty="0"/>
+          </a:p>
+          <a:p>
+            <a:pPr marL="914400" lvl="1" indent="-457200">
+              <a:buFont typeface="+mj-lt"/>
+              <a:buAutoNum type="arabicPeriod"/>
+            </a:pPr>
+            <a:r>
+              <a:rPr lang="zh-TW" altLang="en-US" dirty="0"/>
+              <a:t>在</a:t>
+            </a:r>
+            <a:r>
+              <a:rPr lang="en-US" altLang="zh-TW" dirty="0"/>
+              <a:t>Connect(</a:t>
+            </a:r>
+            <a:r>
+              <a:rPr lang="zh-TW" altLang="en-US" dirty="0"/>
+              <a:t>連線</a:t>
+            </a:r>
+            <a:r>
+              <a:rPr lang="en-US" altLang="zh-TW" dirty="0"/>
+              <a:t>)</a:t>
+            </a:r>
+            <a:r>
+              <a:rPr lang="zh-TW" altLang="en-US" dirty="0"/>
+              <a:t>下拉，點選</a:t>
+            </a:r>
+            <a:r>
+              <a:rPr lang="en-US" altLang="zh-TW" dirty="0"/>
+              <a:t>AI Companion</a:t>
+            </a:r>
+          </a:p>
+          <a:p>
+            <a:pPr marL="914400" lvl="1" indent="-457200">
+              <a:buFont typeface="+mj-lt"/>
+              <a:buAutoNum type="arabicPeriod"/>
+            </a:pPr>
+            <a:r>
+              <a:rPr lang="zh-TW" altLang="en-US" dirty="0"/>
+              <a:t>手機掃描</a:t>
+            </a:r>
+            <a:r>
+              <a:rPr lang="zh-TW" altLang="en-US"/>
+              <a:t>主機</a:t>
+            </a:r>
+            <a:r>
+              <a:rPr lang="zh-TW" altLang="en-US" smtClean="0"/>
+              <a:t>上新產生的</a:t>
+            </a:r>
+            <a:r>
+              <a:rPr lang="en-US" altLang="zh-TW" dirty="0"/>
+              <a:t>QR Code</a:t>
+            </a:r>
+            <a:r>
+              <a:rPr lang="zh-TW" altLang="en-US" dirty="0"/>
+              <a:t>即可完成開發環境</a:t>
+            </a:r>
+          </a:p>
+          <a:p>
+            <a:r>
+              <a:rPr lang="zh-TW" altLang="en-US" dirty="0" smtClean="0"/>
+              <a:t>使用</a:t>
+            </a:r>
+            <a:r>
+              <a:rPr lang="en-US" altLang="zh-TW" dirty="0" smtClean="0"/>
+              <a:t>USB</a:t>
+            </a:r>
+            <a:r>
+              <a:rPr lang="zh-TW" altLang="en-US" dirty="0" smtClean="0"/>
+              <a:t>連結之啟用步驟：</a:t>
+            </a:r>
+            <a:endParaRPr lang="en-US" altLang="zh-TW" dirty="0" smtClean="0"/>
+          </a:p>
+          <a:p>
+            <a:pPr marL="914400" lvl="1" indent="-457200">
+              <a:buFont typeface="+mj-lt"/>
+              <a:buAutoNum type="arabicPeriod"/>
+            </a:pPr>
+            <a:r>
+              <a:rPr lang="zh-TW" altLang="en-US" dirty="0" smtClean="0"/>
+              <a:t>啟動</a:t>
+            </a:r>
+            <a:r>
+              <a:rPr lang="en-US" altLang="zh-TW" dirty="0"/>
+              <a:t>AI2 </a:t>
+            </a:r>
+            <a:r>
+              <a:rPr lang="en-US" altLang="zh-TW" dirty="0" smtClean="0"/>
+              <a:t>Starter</a:t>
+            </a:r>
+          </a:p>
+          <a:p>
+            <a:pPr marL="914400" lvl="1" indent="-457200">
+              <a:buFont typeface="+mj-lt"/>
+              <a:buAutoNum type="arabicPeriod"/>
+            </a:pPr>
+            <a:r>
+              <a:rPr lang="zh-TW" altLang="en-US" dirty="0"/>
+              <a:t>手機上啟動</a:t>
+            </a:r>
+            <a:r>
+              <a:rPr lang="en-US" altLang="zh-TW" b="1" dirty="0"/>
+              <a:t>AI2 Companion APP</a:t>
+            </a:r>
+          </a:p>
+          <a:p>
+            <a:pPr marL="914400" lvl="1" indent="-457200">
+              <a:buFont typeface="+mj-lt"/>
+              <a:buAutoNum type="arabicPeriod"/>
+            </a:pPr>
+            <a:r>
+              <a:rPr lang="zh-TW" altLang="en-US" dirty="0" smtClean="0"/>
+              <a:t>開啟</a:t>
+            </a:r>
+            <a:r>
+              <a:rPr lang="en-US" altLang="zh-TW" dirty="0"/>
+              <a:t>Chrome</a:t>
+            </a:r>
+            <a:r>
+              <a:rPr lang="zh-TW" altLang="en-US" dirty="0" smtClean="0"/>
+              <a:t>瀏覽器</a:t>
+            </a:r>
+            <a:r>
+              <a:rPr lang="en-US" altLang="zh-TW" dirty="0"/>
+              <a:t>(</a:t>
+            </a:r>
+            <a:r>
+              <a:rPr lang="zh-TW" altLang="en-US" dirty="0"/>
+              <a:t>或是</a:t>
+            </a:r>
+            <a:r>
+              <a:rPr lang="en-US" altLang="zh-TW" dirty="0"/>
+              <a:t>Firefox)</a:t>
+            </a:r>
+            <a:r>
+              <a:rPr lang="zh-TW" altLang="en-US" dirty="0"/>
+              <a:t>，</a:t>
+            </a:r>
+            <a:r>
+              <a:rPr lang="zh-TW" altLang="en-US" dirty="0" smtClean="0"/>
+              <a:t>網址</a:t>
+            </a:r>
+            <a:r>
+              <a:rPr lang="en-US" altLang="zh-TW" b="1" dirty="0">
+                <a:solidFill>
+                  <a:srgbClr val="FF0000"/>
+                </a:solidFill>
+              </a:rPr>
+              <a:t>https://appinventor.mit.edu</a:t>
+            </a:r>
+            <a:r>
+              <a:rPr lang="en-US" altLang="zh-TW" b="1" dirty="0" smtClean="0">
+                <a:solidFill>
+                  <a:srgbClr val="FF0000"/>
+                </a:solidFill>
+              </a:rPr>
+              <a:t>/</a:t>
+            </a:r>
+            <a:r>
+              <a:rPr lang="zh-TW" altLang="en-US" dirty="0"/>
+              <a:t> ，並登入。</a:t>
+            </a:r>
+            <a:endParaRPr lang="en-US" altLang="zh-TW" b="1" dirty="0" smtClean="0">
               <a:solidFill>
                 <a:srgbClr val="FF0000"/>
               </a:solidFill>
             </a:endParaRPr>
           </a:p>
           <a:p>
+            <a:pPr marL="914400" lvl="1" indent="-457200">
+              <a:buFont typeface="+mj-lt"/>
+              <a:buAutoNum type="arabicPeriod"/>
+            </a:pPr>
             <a:r>
               <a:rPr lang="zh-TW" altLang="en-US" dirty="0" smtClean="0"/>
-              <a:t>桌面會出現黑色框如下，而下方</a:t>
+              <a:t>在</a:t>
+            </a:r>
+            <a:r>
+              <a:rPr lang="en-US" altLang="zh-TW" dirty="0"/>
+              <a:t>Connect(</a:t>
             </a:r>
             <a:r>
               <a:rPr lang="zh-TW" altLang="en-US" dirty="0"/>
-              <a:t>工作列區會</a:t>
+              <a:t>連線</a:t>
+            </a:r>
+            <a:r>
+              <a:rPr lang="en-US" altLang="zh-TW" dirty="0"/>
+              <a:t>)</a:t>
+            </a:r>
+            <a:r>
+              <a:rPr lang="zh-TW" altLang="en-US" dirty="0"/>
+              <a:t>下拉，</a:t>
             </a:r>
             <a:r>
               <a:rPr lang="zh-TW" altLang="en-US" dirty="0" smtClean="0"/>
-              <a:t>出現一個</a:t>
-            </a:r>
-            <a:r>
-              <a:rPr lang="zh-TW" altLang="en-US" dirty="0"/>
-              <a:t>圖示如下方紅</a:t>
-            </a:r>
-            <a:r>
-              <a:rPr lang="zh-TW" altLang="en-US" dirty="0" smtClean="0"/>
-              <a:t>框</a:t>
-            </a:r>
-            <a:endParaRPr lang="en-US" altLang="zh-TW" dirty="0" smtClean="0"/>
-          </a:p>
-          <a:p>
-            <a:r>
-              <a:rPr lang="zh-TW" altLang="en-US" dirty="0"/>
-              <a:t>將黑色框最小化</a:t>
-            </a:r>
-            <a:r>
-              <a:rPr lang="zh-TW" altLang="en-US" dirty="0" smtClean="0"/>
-              <a:t>，避免干擾畫面。</a:t>
-            </a:r>
+              <a:t>點選</a:t>
+            </a:r>
+            <a:r>
+              <a:rPr lang="en-US" altLang="zh-TW" dirty="0" smtClean="0"/>
+              <a:t>USB</a:t>
+            </a:r>
+            <a:endParaRPr lang="en-US" altLang="zh-TW" dirty="0"/>
+          </a:p>
+          <a:p>
+            <a:pPr lvl="1"/>
             <a:endParaRPr lang="zh-TW" altLang="en-US" dirty="0"/>
           </a:p>
-          <a:p>
-            <a:endParaRPr lang="zh-TW" altLang="en-US" dirty="0"/>
-          </a:p>
-        </p:txBody>
-      </p:sp>
-      <p:pic>
-        <p:nvPicPr>
-          <p:cNvPr id="4" name="圖片 3"/>
-          <p:cNvPicPr>
-            <a:picLocks noChangeAspect="1"/>
-          </p:cNvPicPr>
-          <p:nvPr/>
-        </p:nvPicPr>
-        <p:blipFill>
-          <a:blip r:embed="rId2"/>
-          <a:stretch>
-            <a:fillRect/>
-          </a:stretch>
-        </p:blipFill>
-        <p:spPr>
-          <a:xfrm>
-            <a:off x="1660270" y="4123944"/>
-            <a:ext cx="876300" cy="876300"/>
-          </a:xfrm>
-          <a:prstGeom prst="rect">
-            <a:avLst/>
-          </a:prstGeom>
-          <a:ln>
-            <a:solidFill>
-              <a:schemeClr val="tx1"/>
-            </a:solidFill>
-          </a:ln>
-        </p:spPr>
-      </p:pic>
-      <p:pic>
-        <p:nvPicPr>
-          <p:cNvPr id="7" name="圖片 6"/>
-          <p:cNvPicPr>
-            <a:picLocks noChangeAspect="1"/>
-          </p:cNvPicPr>
-          <p:nvPr/>
-        </p:nvPicPr>
-        <p:blipFill>
-          <a:blip r:embed="rId3"/>
-          <a:stretch>
-            <a:fillRect/>
-          </a:stretch>
-        </p:blipFill>
-        <p:spPr>
-          <a:xfrm>
-            <a:off x="3684460" y="4293108"/>
-            <a:ext cx="3152775" cy="800100"/>
-          </a:xfrm>
-          <a:prstGeom prst="rect">
-            <a:avLst/>
-          </a:prstGeom>
-          <a:ln>
-            <a:solidFill>
-              <a:schemeClr val="tx1"/>
-            </a:solidFill>
-          </a:ln>
-        </p:spPr>
-      </p:pic>
-      <p:sp>
-        <p:nvSpPr>
-          <p:cNvPr id="8" name="矩形 7"/>
-          <p:cNvSpPr/>
-          <p:nvPr/>
-        </p:nvSpPr>
-        <p:spPr>
-          <a:xfrm>
-            <a:off x="5689092" y="4553338"/>
-            <a:ext cx="693420" cy="689610"/>
-          </a:xfrm>
-          <a:prstGeom prst="rect">
-            <a:avLst/>
-          </a:prstGeom>
-          <a:noFill/>
-          <a:ln w="38100">
-            <a:solidFill>
-              <a:srgbClr val="FF0000"/>
-            </a:solidFill>
-          </a:ln>
-        </p:spPr>
-        <p:style>
-          <a:lnRef idx="2">
-            <a:schemeClr val="accent1">
-              <a:shade val="50000"/>
-            </a:schemeClr>
-          </a:lnRef>
-          <a:fillRef idx="1">
-            <a:schemeClr val="accent1"/>
-          </a:fillRef>
-          <a:effectRef idx="0">
-            <a:schemeClr val="accent1"/>
-          </a:effectRef>
-          <a:fontRef idx="minor">
-            <a:schemeClr val="lt1"/>
-          </a:fontRef>
-        </p:style>
-        <p:txBody>
-          <a:bodyPr rtlCol="0" anchor="ctr"/>
-          <a:lstStyle/>
-          <a:p>
-            <a:pPr algn="ctr"/>
-            <a:endParaRPr lang="zh-TW" altLang="en-US"/>
-          </a:p>
-        </p:txBody>
-      </p:sp>
-      <p:sp>
-        <p:nvSpPr>
-          <p:cNvPr id="9" name="向右箭號 8"/>
-          <p:cNvSpPr/>
-          <p:nvPr/>
-        </p:nvSpPr>
-        <p:spPr>
-          <a:xfrm rot="18974888">
-            <a:off x="1192245" y="4984148"/>
-            <a:ext cx="557784" cy="329184"/>
-          </a:xfrm>
-          <a:prstGeom prst="rightArrow">
-            <a:avLst/>
-          </a:prstGeom>
-          <a:noFill/>
-          <a:ln>
-            <a:solidFill>
-              <a:srgbClr val="FF0000"/>
-            </a:solidFill>
-          </a:ln>
-        </p:spPr>
-        <p:style>
-          <a:lnRef idx="2">
-            <a:schemeClr val="accent1">
-              <a:shade val="50000"/>
-            </a:schemeClr>
-          </a:lnRef>
-          <a:fillRef idx="1">
-            <a:schemeClr val="accent1"/>
-          </a:fillRef>
-          <a:effectRef idx="0">
-            <a:schemeClr val="accent1"/>
-          </a:effectRef>
-          <a:fontRef idx="minor">
-            <a:schemeClr val="lt1"/>
-          </a:fontRef>
-        </p:style>
-        <p:txBody>
-          <a:bodyPr rtlCol="0" anchor="ctr"/>
-          <a:lstStyle/>
-          <a:p>
-            <a:pPr algn="ctr"/>
-            <a:endParaRPr lang="zh-TW" altLang="en-US"/>
-          </a:p>
-        </p:txBody>
-      </p:sp>
-      <p:sp>
-        <p:nvSpPr>
-          <p:cNvPr id="10" name="向右箭號 9"/>
-          <p:cNvSpPr/>
-          <p:nvPr/>
-        </p:nvSpPr>
-        <p:spPr>
-          <a:xfrm>
-            <a:off x="3100861" y="4445698"/>
-            <a:ext cx="410179" cy="566738"/>
-          </a:xfrm>
-          <a:prstGeom prst="rightArrow">
-            <a:avLst/>
-          </a:prstGeom>
-          <a:solidFill>
-            <a:schemeClr val="accent3">
-              <a:lumMod val="60000"/>
-              <a:lumOff val="40000"/>
-            </a:schemeClr>
-          </a:solidFill>
-          <a:ln>
-            <a:solidFill>
-              <a:schemeClr val="accent3">
-                <a:lumMod val="60000"/>
-                <a:lumOff val="40000"/>
-              </a:schemeClr>
-            </a:solidFill>
-          </a:ln>
-        </p:spPr>
-        <p:style>
-          <a:lnRef idx="2">
-            <a:schemeClr val="accent1">
-              <a:shade val="50000"/>
-            </a:schemeClr>
-          </a:lnRef>
-          <a:fillRef idx="1">
-            <a:schemeClr val="accent1"/>
-          </a:fillRef>
-          <a:effectRef idx="0">
-            <a:schemeClr val="accent1"/>
-          </a:effectRef>
-          <a:fontRef idx="minor">
-            <a:schemeClr val="lt1"/>
-          </a:fontRef>
-        </p:style>
-        <p:txBody>
-          <a:bodyPr rtlCol="0" anchor="ctr"/>
-          <a:lstStyle/>
-          <a:p>
-            <a:pPr algn="ctr"/>
-            <a:endParaRPr lang="zh-TW" altLang="en-US"/>
-          </a:p>
-        </p:txBody>
-      </p:sp>
-      <p:pic>
-        <p:nvPicPr>
-          <p:cNvPr id="5" name="圖片 4"/>
-          <p:cNvPicPr>
-            <a:picLocks noChangeAspect="1"/>
-          </p:cNvPicPr>
-          <p:nvPr/>
-        </p:nvPicPr>
-        <p:blipFill>
-          <a:blip r:embed="rId4"/>
-          <a:stretch>
-            <a:fillRect/>
-          </a:stretch>
-        </p:blipFill>
-        <p:spPr>
-          <a:xfrm>
-            <a:off x="6508108" y="3240404"/>
-            <a:ext cx="4454346" cy="2410587"/>
-          </a:xfrm>
-          <a:prstGeom prst="rect">
-            <a:avLst/>
-          </a:prstGeom>
-          <a:ln>
-            <a:solidFill>
-              <a:schemeClr val="tx1"/>
-            </a:solidFill>
-          </a:ln>
-        </p:spPr>
-      </p:pic>
+        </p:txBody>
+      </p:sp>
     </p:spTree>
     <p:extLst>
       <p:ext uri="{BB962C8B-B14F-4D97-AF65-F5344CB8AC3E}">
-        <p14:creationId xmlns:p14="http://schemas.microsoft.com/office/powerpoint/2010/main" val="1497237372"/>
+        <p14:creationId xmlns:p14="http://schemas.microsoft.com/office/powerpoint/2010/main" val="1616018298"/>
       </p:ext>
     </p:extLst>
   </p:cSld>
@@ -6323,94 +6348,48 @@
           <a:p>
             <a:r>
               <a:rPr lang="zh-TW" altLang="en-US" dirty="0" smtClean="0"/>
-              <a:t>登入</a:t>
+              <a:t>啟動</a:t>
             </a:r>
             <a:r>
               <a:rPr lang="en-US" altLang="zh-TW" dirty="0" smtClean="0"/>
-              <a:t>AI2</a:t>
+              <a:t>AI2 Starter</a:t>
+            </a:r>
+            <a:endParaRPr lang="zh-TW" altLang="en-US" dirty="0"/>
+          </a:p>
+        </p:txBody>
+      </p:sp>
+      <p:sp>
+        <p:nvSpPr>
+          <p:cNvPr id="3" name="內容版面配置區 2"/>
+          <p:cNvSpPr>
+            <a:spLocks noGrp="1"/>
+          </p:cNvSpPr>
+          <p:nvPr>
+            <p:ph idx="1"/>
+          </p:nvPr>
+        </p:nvSpPr>
+        <p:spPr/>
+        <p:txBody>
+          <a:bodyPr/>
+          <a:lstStyle/>
+          <a:p>
+            <a:r>
+              <a:rPr lang="zh-TW" altLang="en-US" dirty="0"/>
+              <a:t>點選桌面</a:t>
             </a:r>
             <a:r>
               <a:rPr lang="zh-TW" altLang="en-US" dirty="0" smtClean="0"/>
-              <a:t>步驟</a:t>
-            </a:r>
-            <a:r>
-              <a:rPr lang="en-US" altLang="zh-TW" dirty="0" smtClean="0"/>
-              <a:t>1/3</a:t>
-            </a:r>
-            <a:endParaRPr lang="zh-TW" altLang="en-US" dirty="0"/>
-          </a:p>
-        </p:txBody>
-      </p:sp>
-      <p:sp>
-        <p:nvSpPr>
-          <p:cNvPr id="3" name="內容版面配置區 2"/>
-          <p:cNvSpPr>
-            <a:spLocks noGrp="1"/>
-          </p:cNvSpPr>
-          <p:nvPr>
-            <p:ph idx="1"/>
-          </p:nvPr>
-        </p:nvSpPr>
-        <p:spPr/>
-        <p:txBody>
-          <a:bodyPr/>
-          <a:lstStyle/>
-          <a:p>
-            <a:r>
-              <a:rPr lang="zh-TW" altLang="en-US" dirty="0" smtClean="0"/>
-              <a:t>開啟</a:t>
-            </a:r>
-            <a:r>
-              <a:rPr lang="en-US" altLang="zh-TW" dirty="0" smtClean="0"/>
-              <a:t>Chrome</a:t>
-            </a:r>
-            <a:r>
-              <a:rPr lang="zh-TW" altLang="en-US" dirty="0" smtClean="0"/>
-              <a:t>瀏覽器</a:t>
-            </a:r>
-            <a:r>
-              <a:rPr lang="en-US" altLang="zh-TW" dirty="0" smtClean="0"/>
-              <a:t>(</a:t>
-            </a:r>
-            <a:r>
-              <a:rPr lang="zh-TW" altLang="en-US" dirty="0" smtClean="0"/>
-              <a:t>或是</a:t>
-            </a:r>
-            <a:r>
-              <a:rPr lang="en-US" altLang="zh-TW" dirty="0" smtClean="0"/>
-              <a:t>Firefox)</a:t>
-            </a:r>
-            <a:r>
-              <a:rPr lang="zh-TW" altLang="en-US" dirty="0" smtClean="0"/>
-              <a:t>，網址</a:t>
-            </a:r>
-            <a:r>
-              <a:rPr lang="zh-TW" altLang="en-US" b="1" dirty="0" smtClean="0">
+              <a:t>的</a:t>
+            </a:r>
+            <a:r>
+              <a:rPr lang="en-US" altLang="zh-TW" b="1" dirty="0" smtClean="0">
                 <a:solidFill>
                   <a:srgbClr val="FF0000"/>
                 </a:solidFill>
               </a:rPr>
-              <a:t>輸入 </a:t>
-            </a:r>
-            <a:r>
-              <a:rPr lang="en-US" altLang="zh-TW" b="1" dirty="0">
-                <a:solidFill>
-                  <a:srgbClr val="FF0000"/>
-                </a:solidFill>
-                <a:hlinkClick r:id="rId2"/>
-              </a:rPr>
-              <a:t>http</a:t>
-            </a:r>
-            <a:r>
-              <a:rPr lang="en-US" altLang="zh-TW" b="1" dirty="0" smtClean="0">
-                <a:solidFill>
-                  <a:srgbClr val="FF0000"/>
-                </a:solidFill>
-                <a:hlinkClick r:id="rId2"/>
-              </a:rPr>
-              <a:t>://appinventor.mit.edu/</a:t>
-            </a:r>
-            <a:endParaRPr lang="en-US" altLang="zh-TW" b="1" dirty="0" smtClean="0">
+              <a:t>AI2 Starter</a:t>
+            </a:r>
+            <a:endParaRPr lang="en-US" altLang="zh-TW" b="1" dirty="0">
               <a:solidFill>
                 <a:srgbClr val="FF0000"/>
               </a:solidFill>
@@ -6418,28 +6397,75 @@
           </a:p>
           <a:p>
             <a:r>
+              <a:rPr lang="zh-TW" altLang="en-US" dirty="0" smtClean="0"/>
+              <a:t>桌面會出現黑色框如下，而下方</a:t>
+            </a:r>
+            <a:r>
               <a:rPr lang="zh-TW" altLang="en-US" dirty="0"/>
-              <a:t>再來點選</a:t>
-            </a:r>
-            <a:r>
-              <a:rPr lang="en-US" altLang="zh-TW" b="1" dirty="0">
-                <a:solidFill>
-                  <a:srgbClr val="FF0000"/>
-                </a:solidFill>
-              </a:rPr>
-              <a:t>Create Apps!</a:t>
-            </a:r>
-            <a:endParaRPr lang="zh-TW" altLang="en-US" b="1" dirty="0">
-              <a:solidFill>
-                <a:srgbClr val="FF0000"/>
-              </a:solidFill>
-            </a:endParaRPr>
+              <a:t>工作列區會</a:t>
+            </a:r>
+            <a:r>
+              <a:rPr lang="zh-TW" altLang="en-US" dirty="0" smtClean="0"/>
+              <a:t>出現一個</a:t>
+            </a:r>
+            <a:r>
+              <a:rPr lang="zh-TW" altLang="en-US" dirty="0"/>
+              <a:t>圖示如下方紅</a:t>
+            </a:r>
+            <a:r>
+              <a:rPr lang="zh-TW" altLang="en-US" dirty="0" smtClean="0"/>
+              <a:t>框</a:t>
+            </a:r>
+            <a:endParaRPr lang="en-US" altLang="zh-TW" dirty="0" smtClean="0"/>
+          </a:p>
+          <a:p>
+            <a:r>
+              <a:rPr lang="zh-TW" altLang="en-US" dirty="0"/>
+              <a:t>將黑色框最小化</a:t>
+            </a:r>
+            <a:r>
+              <a:rPr lang="zh-TW" altLang="en-US" dirty="0" smtClean="0"/>
+              <a:t>，避免干擾畫面。</a:t>
+            </a:r>
+            <a:endParaRPr lang="zh-TW" altLang="en-US" dirty="0"/>
+          </a:p>
+          <a:p>
+            <a:endParaRPr lang="zh-TW" altLang="en-US" dirty="0"/>
           </a:p>
         </p:txBody>
       </p:sp>
       <p:pic>
         <p:nvPicPr>
-          <p:cNvPr id="8" name="圖片 7"/>
+          <p:cNvPr id="4" name="圖片 3"/>
+          <p:cNvPicPr>
+            <a:picLocks noChangeAspect="1"/>
+          </p:cNvPicPr>
+          <p:nvPr/>
+        </p:nvPicPr>
+        <p:blipFill>
+          <a:blip r:embed="rId2"/>
+          <a:stretch>
+            <a:fillRect/>
+          </a:stretch>
+        </p:blipFill>
+        <p:spPr>
+          <a:xfrm>
+            <a:off x="1660270" y="4123944"/>
+            <a:ext cx="876300" cy="876300"/>
+          </a:xfrm>
+          <a:prstGeom prst="rect">
+            <a:avLst/>
+          </a:prstGeom>
+          <a:ln>
+            <a:solidFill>
+              <a:schemeClr val="tx1"/>
+            </a:solidFill>
+          </a:ln>
+        </p:spPr>
+      </p:pic>
+      <p:pic>
+        <p:nvPicPr>
+          <p:cNvPr id="7" name="圖片 6"/>
           <p:cNvPicPr>
             <a:picLocks noChangeAspect="1"/>
           </p:cNvPicPr>
@@ -6453,8 +6479,8 @@
         </p:blipFill>
         <p:spPr>
           <a:xfrm>
-            <a:off x="1534229" y="3502451"/>
-            <a:ext cx="9123542" cy="2853393"/>
+            <a:off x="3684460" y="4293108"/>
+            <a:ext cx="3152775" cy="800100"/>
           </a:xfrm>
           <a:prstGeom prst="rect">
             <a:avLst/>
@@ -6468,16 +6494,16 @@
       </p:pic>
       <p:sp>
         <p:nvSpPr>
-          <p:cNvPr id="6" name="向右箭號 5"/>
+          <p:cNvPr id="8" name="矩形 7"/>
           <p:cNvSpPr/>
           <p:nvPr/>
         </p:nvSpPr>
         <p:spPr>
-          <a:xfrm rot="9458348">
-            <a:off x="4129833" y="3781249"/>
-            <a:ext cx="640986" cy="197456"/>
-          </a:xfrm>
-          <a:prstGeom prst="rightArrow">
+          <a:xfrm>
+            <a:off x="5689092" y="4553338"/>
+            <a:ext cx="693420" cy="689610"/>
+          </a:xfrm>
+          <a:prstGeom prst="rect">
             <a:avLst/>
           </a:prstGeom>
           <a:noFill/>
@@ -6519,15 +6545,15 @@
           <p:nvPr/>
         </p:nvSpPr>
         <p:spPr>
-          <a:xfrm rot="9382395">
-            <a:off x="4474357" y="4603410"/>
-            <a:ext cx="640540" cy="253892"/>
+          <a:xfrm rot="18974888">
+            <a:off x="1192245" y="4984148"/>
+            <a:ext cx="557784" cy="329184"/>
           </a:xfrm>
           <a:prstGeom prst="rightArrow">
             <a:avLst/>
           </a:prstGeom>
           <a:noFill/>
-          <a:ln w="38100">
+          <a:ln>
             <a:solidFill>
               <a:srgbClr val="FF0000"/>
             </a:solidFill>
@@ -6560,98 +6586,30 @@
       </p:sp>
       <p:sp>
         <p:nvSpPr>
-          <p:cNvPr id="10" name="文字方塊 9"/>
-          <p:cNvSpPr txBox="1"/>
+          <p:cNvPr id="10" name="向右箭號 9"/>
+          <p:cNvSpPr/>
           <p:nvPr/>
         </p:nvSpPr>
         <p:spPr>
           <a:xfrm>
-            <a:off x="4293873" y="3502451"/>
-            <a:ext cx="312906" cy="369332"/>
-          </a:xfrm>
-          <a:prstGeom prst="rect">
+            <a:off x="3100861" y="4445698"/>
+            <a:ext cx="410179" cy="566738"/>
+          </a:xfrm>
+          <a:prstGeom prst="rightArrow">
             <a:avLst/>
           </a:prstGeom>
-          <a:noFill/>
-        </p:spPr>
-        <p:txBody>
-          <a:bodyPr wrap="none" rtlCol="0">
-            <a:spAutoFit/>
-          </a:bodyPr>
-          <a:lstStyle/>
-          <a:p>
-            <a:r>
-              <a:rPr lang="en-US" altLang="zh-TW" b="1" dirty="0" smtClean="0">
-                <a:solidFill>
-                  <a:srgbClr val="FF0000"/>
-                </a:solidFill>
-              </a:rPr>
-              <a:t>1</a:t>
-            </a:r>
-            <a:endParaRPr lang="zh-TW" altLang="en-US" b="1" dirty="0">
-              <a:solidFill>
-                <a:srgbClr val="FF0000"/>
-              </a:solidFill>
-            </a:endParaRPr>
-          </a:p>
-        </p:txBody>
-      </p:sp>
-      <p:sp>
-        <p:nvSpPr>
-          <p:cNvPr id="11" name="文字方塊 10"/>
-          <p:cNvSpPr txBox="1"/>
-          <p:nvPr/>
-        </p:nvSpPr>
-        <p:spPr>
-          <a:xfrm>
-            <a:off x="4606779" y="4348535"/>
-            <a:ext cx="312906" cy="369332"/>
-          </a:xfrm>
-          <a:prstGeom prst="rect">
-            <a:avLst/>
-          </a:prstGeom>
-          <a:noFill/>
-        </p:spPr>
-        <p:txBody>
-          <a:bodyPr wrap="none" rtlCol="0">
-            <a:spAutoFit/>
-          </a:bodyPr>
-          <a:lstStyle/>
-          <a:p>
-            <a:r>
-              <a:rPr lang="en-US" altLang="zh-TW" b="1" dirty="0" smtClean="0">
-                <a:solidFill>
-                  <a:srgbClr val="FF0000"/>
-                </a:solidFill>
-              </a:rPr>
-              <a:t>2</a:t>
-            </a:r>
-            <a:endParaRPr lang="zh-TW" altLang="en-US" b="1" dirty="0">
-              <a:solidFill>
-                <a:srgbClr val="FF0000"/>
-              </a:solidFill>
-            </a:endParaRPr>
-          </a:p>
-        </p:txBody>
-      </p:sp>
-      <p:sp>
-        <p:nvSpPr>
-          <p:cNvPr id="12" name="矩形 11"/>
-          <p:cNvSpPr/>
-          <p:nvPr/>
-        </p:nvSpPr>
-        <p:spPr>
-          <a:xfrm>
-            <a:off x="2801160" y="3931927"/>
-            <a:ext cx="1315212" cy="298441"/>
-          </a:xfrm>
-          <a:prstGeom prst="rect">
-            <a:avLst/>
-          </a:prstGeom>
-          <a:noFill/>
-          <a:ln w="38100">
+          <a:solidFill>
+            <a:schemeClr val="accent3">
+              <a:lumMod val="60000"/>
+              <a:lumOff val="40000"/>
+            </a:schemeClr>
+          </a:solidFill>
+          <a:ln>
             <a:solidFill>
-              <a:srgbClr val="FF0000"/>
+              <a:schemeClr val="accent3">
+                <a:lumMod val="60000"/>
+                <a:lumOff val="40000"/>
+              </a:schemeClr>
             </a:solidFill>
           </a:ln>
         </p:spPr>
@@ -6680,10 +6638,39 @@
           </a:p>
         </p:txBody>
       </p:sp>
+      <p:pic>
+        <p:nvPicPr>
+          <p:cNvPr id="5" name="圖片 4"/>
+          <p:cNvPicPr>
+            <a:picLocks noChangeAspect="1"/>
+          </p:cNvPicPr>
+          <p:nvPr/>
+        </p:nvPicPr>
+        <p:blipFill>
+          <a:blip r:embed="rId4"/>
+          <a:stretch>
+            <a:fillRect/>
+          </a:stretch>
+        </p:blipFill>
+        <p:spPr>
+          <a:xfrm>
+            <a:off x="6508108" y="3240404"/>
+            <a:ext cx="4454346" cy="2410587"/>
+          </a:xfrm>
+          <a:prstGeom prst="rect">
+            <a:avLst/>
+          </a:prstGeom>
+          <a:ln>
+            <a:solidFill>
+              <a:schemeClr val="tx1"/>
+            </a:solidFill>
+          </a:ln>
+        </p:spPr>
+      </p:pic>
     </p:spTree>
     <p:extLst>
       <p:ext uri="{BB962C8B-B14F-4D97-AF65-F5344CB8AC3E}">
-        <p14:creationId xmlns:p14="http://schemas.microsoft.com/office/powerpoint/2010/main" val="770345183"/>
+        <p14:creationId xmlns:p14="http://schemas.microsoft.com/office/powerpoint/2010/main" val="1497237372"/>
       </p:ext>
     </p:extLst>
   </p:cSld>
@@ -6726,11 +6713,11 @@
           <a:lstStyle/>
           <a:p>
             <a:r>
-              <a:rPr lang="zh-TW" altLang="en-US" dirty="0"/>
+              <a:rPr lang="zh-TW" altLang="en-US" dirty="0" smtClean="0"/>
               <a:t>登入</a:t>
             </a:r>
             <a:r>
-              <a:rPr lang="en-US" altLang="zh-TW" dirty="0"/>
+              <a:rPr lang="en-US" altLang="zh-TW" dirty="0" smtClean="0"/>
               <a:t>AI2</a:t>
             </a:r>
             <a:r>
@@ -6739,7 +6726,7 @@
             </a:r>
             <a:r>
               <a:rPr lang="en-US" altLang="zh-TW" dirty="0" smtClean="0"/>
-              <a:t>2/3</a:t>
+              <a:t>1/3</a:t>
             </a:r>
             <a:endParaRPr lang="zh-TW" altLang="en-US" dirty="0"/>
           </a:p>
@@ -6762,68 +6749,332 @@
           <a:p>
             <a:r>
               <a:rPr lang="zh-TW" altLang="en-US" dirty="0" smtClean="0"/>
-              <a:t>建議用你的</a:t>
+              <a:t>開啟</a:t>
             </a:r>
             <a:r>
               <a:rPr lang="en-US" altLang="zh-TW" dirty="0" smtClean="0"/>
-              <a:t>Google account</a:t>
+              <a:t>Chrome</a:t>
             </a:r>
             <a:r>
               <a:rPr lang="zh-TW" altLang="en-US" dirty="0" smtClean="0"/>
-              <a:t>登入</a:t>
+              <a:t>瀏覽器</a:t>
             </a:r>
             <a:r>
               <a:rPr lang="en-US" altLang="zh-TW" dirty="0" smtClean="0"/>
               <a:t>(</a:t>
             </a:r>
             <a:r>
-              <a:rPr lang="en-US" altLang="zh-TW" dirty="0" err="1" smtClean="0"/>
-              <a:t>gmail</a:t>
-            </a:r>
-            <a:r>
               <a:rPr lang="zh-TW" altLang="en-US" dirty="0" smtClean="0"/>
-              <a:t>帳號</a:t>
+              <a:t>或是</a:t>
             </a:r>
             <a:r>
               <a:rPr lang="en-US" altLang="zh-TW" dirty="0" smtClean="0"/>
-              <a:t>)</a:t>
+              <a:t>Firefox)</a:t>
             </a:r>
             <a:r>
               <a:rPr lang="zh-TW" altLang="en-US" dirty="0" smtClean="0"/>
-              <a:t>，點選箭頭處文字。</a:t>
-            </a:r>
-            <a:endParaRPr lang="zh-TW" altLang="en-US" dirty="0"/>
+              <a:t>，網址</a:t>
+            </a:r>
+            <a:r>
+              <a:rPr lang="zh-TW" altLang="en-US" b="1" dirty="0" smtClean="0">
+                <a:solidFill>
+                  <a:srgbClr val="FF0000"/>
+                </a:solidFill>
+              </a:rPr>
+              <a:t>輸入 </a:t>
+            </a:r>
+            <a:r>
+              <a:rPr lang="en-US" altLang="zh-TW" b="1" dirty="0">
+                <a:solidFill>
+                  <a:srgbClr val="FF0000"/>
+                </a:solidFill>
+                <a:hlinkClick r:id="rId2"/>
+              </a:rPr>
+              <a:t>http</a:t>
+            </a:r>
+            <a:r>
+              <a:rPr lang="en-US" altLang="zh-TW" b="1" dirty="0" smtClean="0">
+                <a:solidFill>
+                  <a:srgbClr val="FF0000"/>
+                </a:solidFill>
+                <a:hlinkClick r:id="rId2"/>
+              </a:rPr>
+              <a:t>://appinventor.mit.edu/</a:t>
+            </a:r>
+            <a:endParaRPr lang="en-US" altLang="zh-TW" b="1" dirty="0" smtClean="0">
+              <a:solidFill>
+                <a:srgbClr val="FF0000"/>
+              </a:solidFill>
+            </a:endParaRPr>
+          </a:p>
+          <a:p>
+            <a:r>
+              <a:rPr lang="zh-TW" altLang="en-US" dirty="0"/>
+              <a:t>再來點選</a:t>
+            </a:r>
+            <a:r>
+              <a:rPr lang="en-US" altLang="zh-TW" b="1" dirty="0">
+                <a:solidFill>
+                  <a:srgbClr val="FF0000"/>
+                </a:solidFill>
+              </a:rPr>
+              <a:t>Create Apps!</a:t>
+            </a:r>
+            <a:endParaRPr lang="zh-TW" altLang="en-US" b="1" dirty="0">
+              <a:solidFill>
+                <a:srgbClr val="FF0000"/>
+              </a:solidFill>
+            </a:endParaRPr>
           </a:p>
         </p:txBody>
       </p:sp>
       <p:pic>
         <p:nvPicPr>
-          <p:cNvPr id="4" name="圖片 3"/>
+          <p:cNvPr id="8" name="圖片 7"/>
           <p:cNvPicPr>
             <a:picLocks noChangeAspect="1"/>
           </p:cNvPicPr>
           <p:nvPr/>
         </p:nvPicPr>
         <p:blipFill>
-          <a:blip r:embed="rId2"/>
+          <a:blip r:embed="rId3"/>
           <a:stretch>
             <a:fillRect/>
           </a:stretch>
         </p:blipFill>
         <p:spPr>
           <a:xfrm>
-            <a:off x="4116895" y="2649283"/>
-            <a:ext cx="3171825" cy="4010025"/>
+            <a:off x="1534229" y="3502451"/>
+            <a:ext cx="9123542" cy="2853393"/>
           </a:xfrm>
           <a:prstGeom prst="rect">
             <a:avLst/>
           </a:prstGeom>
+          <a:ln>
+            <a:solidFill>
+              <a:schemeClr val="tx1"/>
+            </a:solidFill>
+          </a:ln>
         </p:spPr>
       </p:pic>
+      <p:sp>
+        <p:nvSpPr>
+          <p:cNvPr id="6" name="向右箭號 5"/>
+          <p:cNvSpPr/>
+          <p:nvPr/>
+        </p:nvSpPr>
+        <p:spPr>
+          <a:xfrm rot="9458348">
+            <a:off x="4129833" y="3781249"/>
+            <a:ext cx="640986" cy="197456"/>
+          </a:xfrm>
+          <a:prstGeom prst="rightArrow">
+            <a:avLst/>
+          </a:prstGeom>
+          <a:noFill/>
+          <a:ln w="38100">
+            <a:solidFill>
+              <a:srgbClr val="FF0000"/>
+            </a:solidFill>
+          </a:ln>
+        </p:spPr>
+        <p:style>
+          <a:lnRef idx="2">
+            <a:schemeClr val="accent1">
+              <a:shade val="50000"/>
+            </a:schemeClr>
+          </a:lnRef>
+          <a:fillRef idx="1">
+            <a:schemeClr val="accent1"/>
+          </a:fillRef>
+          <a:effectRef idx="0">
+            <a:schemeClr val="accent1"/>
+          </a:effectRef>
+          <a:fontRef idx="minor">
+            <a:schemeClr val="lt1"/>
+          </a:fontRef>
+        </p:style>
+        <p:txBody>
+          <a:bodyPr rtlCol="0" anchor="ctr"/>
+          <a:lstStyle/>
+          <a:p>
+            <a:pPr algn="ctr"/>
+            <a:endParaRPr lang="zh-TW" altLang="en-US"/>
+          </a:p>
+        </p:txBody>
+      </p:sp>
+      <p:sp>
+        <p:nvSpPr>
+          <p:cNvPr id="9" name="向右箭號 8"/>
+          <p:cNvSpPr/>
+          <p:nvPr/>
+        </p:nvSpPr>
+        <p:spPr>
+          <a:xfrm rot="9382395">
+            <a:off x="4474357" y="4603410"/>
+            <a:ext cx="640540" cy="253892"/>
+          </a:xfrm>
+          <a:prstGeom prst="rightArrow">
+            <a:avLst/>
+          </a:prstGeom>
+          <a:noFill/>
+          <a:ln w="38100">
+            <a:solidFill>
+              <a:srgbClr val="FF0000"/>
+            </a:solidFill>
+          </a:ln>
+        </p:spPr>
+        <p:style>
+          <a:lnRef idx="2">
+            <a:schemeClr val="accent1">
+              <a:shade val="50000"/>
+            </a:schemeClr>
+          </a:lnRef>
+          <a:fillRef idx="1">
+            <a:schemeClr val="accent1"/>
+          </a:fillRef>
+          <a:effectRef idx="0">
+            <a:schemeClr val="accent1"/>
+          </a:effectRef>
+          <a:fontRef idx="minor">
+            <a:schemeClr val="lt1"/>
+          </a:fontRef>
+        </p:style>
+        <p:txBody>
+          <a:bodyPr rtlCol="0" anchor="ctr"/>
+          <a:lstStyle/>
+          <a:p>
+            <a:pPr algn="ctr"/>
+            <a:endParaRPr lang="zh-TW" altLang="en-US"/>
+          </a:p>
+        </p:txBody>
+      </p:sp>
+      <p:sp>
+        <p:nvSpPr>
+          <p:cNvPr id="10" name="文字方塊 9"/>
+          <p:cNvSpPr txBox="1"/>
+          <p:nvPr/>
+        </p:nvSpPr>
+        <p:spPr>
+          <a:xfrm>
+            <a:off x="4293873" y="3502451"/>
+            <a:ext cx="312906" cy="369332"/>
+          </a:xfrm>
+          <a:prstGeom prst="rect">
+            <a:avLst/>
+          </a:prstGeom>
+          <a:noFill/>
+        </p:spPr>
+        <p:txBody>
+          <a:bodyPr wrap="none" rtlCol="0">
+            <a:spAutoFit/>
+          </a:bodyPr>
+          <a:lstStyle/>
+          <a:p>
+            <a:r>
+              <a:rPr lang="en-US" altLang="zh-TW" b="1" dirty="0" smtClean="0">
+                <a:solidFill>
+                  <a:srgbClr val="FF0000"/>
+                </a:solidFill>
+              </a:rPr>
+              <a:t>1</a:t>
+            </a:r>
+            <a:endParaRPr lang="zh-TW" altLang="en-US" b="1" dirty="0">
+              <a:solidFill>
+                <a:srgbClr val="FF0000"/>
+              </a:solidFill>
+            </a:endParaRPr>
+          </a:p>
+        </p:txBody>
+      </p:sp>
+      <p:sp>
+        <p:nvSpPr>
+          <p:cNvPr id="11" name="文字方塊 10"/>
+          <p:cNvSpPr txBox="1"/>
+          <p:nvPr/>
+        </p:nvSpPr>
+        <p:spPr>
+          <a:xfrm>
+            <a:off x="4606779" y="4348535"/>
+            <a:ext cx="312906" cy="369332"/>
+          </a:xfrm>
+          <a:prstGeom prst="rect">
+            <a:avLst/>
+          </a:prstGeom>
+          <a:noFill/>
+        </p:spPr>
+        <p:txBody>
+          <a:bodyPr wrap="none" rtlCol="0">
+            <a:spAutoFit/>
+          </a:bodyPr>
+          <a:lstStyle/>
+          <a:p>
+            <a:r>
+              <a:rPr lang="en-US" altLang="zh-TW" b="1" dirty="0" smtClean="0">
+                <a:solidFill>
+                  <a:srgbClr val="FF0000"/>
+                </a:solidFill>
+              </a:rPr>
+              <a:t>2</a:t>
+            </a:r>
+            <a:endParaRPr lang="zh-TW" altLang="en-US" b="1" dirty="0">
+              <a:solidFill>
+                <a:srgbClr val="FF0000"/>
+              </a:solidFill>
+            </a:endParaRPr>
+          </a:p>
+        </p:txBody>
+      </p:sp>
+      <p:sp>
+        <p:nvSpPr>
+          <p:cNvPr id="12" name="矩形 11"/>
+          <p:cNvSpPr/>
+          <p:nvPr/>
+        </p:nvSpPr>
+        <p:spPr>
+          <a:xfrm>
+            <a:off x="2801160" y="3931927"/>
+            <a:ext cx="1315212" cy="298441"/>
+          </a:xfrm>
+          <a:prstGeom prst="rect">
+            <a:avLst/>
+          </a:prstGeom>
+          <a:noFill/>
+          <a:ln w="38100">
+            <a:solidFill>
+              <a:srgbClr val="FF0000"/>
+            </a:solidFill>
+          </a:ln>
+        </p:spPr>
+        <p:style>
+          <a:lnRef idx="2">
+            <a:schemeClr val="accent1">
+              <a:shade val="50000"/>
+            </a:schemeClr>
+          </a:lnRef>
+          <a:fillRef idx="1">
+            <a:schemeClr val="accent1"/>
+          </a:fillRef>
+          <a:effectRef idx="0">
+            <a:schemeClr val="accent1"/>
+          </a:effectRef>
+          <a:fontRef idx="minor">
+            <a:schemeClr val="lt1"/>
+          </a:fontRef>
+        </p:style>
+        <p:txBody>
+          <a:bodyPr rtlCol="0" anchor="ctr"/>
+          <a:lstStyle/>
+          <a:p>
+            <a:pPr algn="ctr"/>
+            <a:endParaRPr lang="zh-TW" altLang="en-US"/>
+          </a:p>
+        </p:txBody>
+      </p:sp>
     </p:spTree>
     <p:extLst>
       <p:ext uri="{BB962C8B-B14F-4D97-AF65-F5344CB8AC3E}">
-        <p14:creationId xmlns:p14="http://schemas.microsoft.com/office/powerpoint/2010/main" val="756597836"/>
+        <p14:creationId xmlns:p14="http://schemas.microsoft.com/office/powerpoint/2010/main" val="770345183"/>
       </p:ext>
     </p:extLst>
   </p:cSld>
@@ -6879,7 +7130,7 @@
             </a:r>
             <a:r>
               <a:rPr lang="en-US" altLang="zh-TW" dirty="0" smtClean="0"/>
-              <a:t>3/3</a:t>
+              <a:t>2/3</a:t>
             </a:r>
             <a:endParaRPr lang="zh-TW" altLang="en-US" dirty="0"/>
           </a:p>
@@ -6902,7 +7153,35 @@
           <a:p>
             <a:r>
               <a:rPr lang="zh-TW" altLang="en-US" dirty="0" smtClean="0"/>
-              <a:t>登入成功，會出現大致與下面類似的畫面。</a:t>
+              <a:t>建議用你的</a:t>
+            </a:r>
+            <a:r>
+              <a:rPr lang="en-US" altLang="zh-TW" dirty="0" smtClean="0"/>
+              <a:t>Google account</a:t>
+            </a:r>
+            <a:r>
+              <a:rPr lang="zh-TW" altLang="en-US" dirty="0" smtClean="0"/>
+              <a:t>登入</a:t>
+            </a:r>
+            <a:r>
+              <a:rPr lang="en-US" altLang="zh-TW" dirty="0" smtClean="0"/>
+              <a:t>(</a:t>
+            </a:r>
+            <a:r>
+              <a:rPr lang="en-US" altLang="zh-TW" dirty="0" err="1" smtClean="0"/>
+              <a:t>gmail</a:t>
+            </a:r>
+            <a:r>
+              <a:rPr lang="zh-TW" altLang="en-US" dirty="0" smtClean="0"/>
+              <a:t>帳號</a:t>
+            </a:r>
+            <a:r>
+              <a:rPr lang="en-US" altLang="zh-TW" dirty="0" smtClean="0"/>
+              <a:t>)</a:t>
+            </a:r>
+            <a:r>
+              <a:rPr lang="zh-TW" altLang="en-US" dirty="0" smtClean="0"/>
+              <a:t>，點選箭頭處文字。</a:t>
             </a:r>
             <a:endParaRPr lang="zh-TW" altLang="en-US" dirty="0"/>
           </a:p>
@@ -6924,23 +7203,18 @@
         </p:blipFill>
         <p:spPr>
           <a:xfrm>
-            <a:off x="1891626" y="2697480"/>
-            <a:ext cx="9239479" cy="3842766"/>
+            <a:off x="4116895" y="2649283"/>
+            <a:ext cx="3171825" cy="4010025"/>
           </a:xfrm>
           <a:prstGeom prst="rect">
             <a:avLst/>
           </a:prstGeom>
-          <a:ln>
-            <a:solidFill>
-              <a:schemeClr val="tx1"/>
-            </a:solidFill>
-          </a:ln>
         </p:spPr>
       </p:pic>
     </p:spTree>
     <p:extLst>
       <p:ext uri="{BB962C8B-B14F-4D97-AF65-F5344CB8AC3E}">
-        <p14:creationId xmlns:p14="http://schemas.microsoft.com/office/powerpoint/2010/main" val="2221552713"/>
+        <p14:creationId xmlns:p14="http://schemas.microsoft.com/office/powerpoint/2010/main" val="756597836"/>
       </p:ext>
     </p:extLst>
   </p:cSld>
@@ -6991,11 +7265,11 @@
               <a:t>AI2</a:t>
             </a:r>
             <a:r>
-              <a:rPr lang="zh-TW" altLang="en-US" dirty="0"/>
+              <a:rPr lang="zh-TW" altLang="en-US" dirty="0" smtClean="0"/>
               <a:t>步驟</a:t>
             </a:r>
             <a:r>
-              <a:rPr lang="en-US" altLang="zh-TW" dirty="0"/>
+              <a:rPr lang="en-US" altLang="zh-TW" dirty="0" smtClean="0"/>
               <a:t>3/3</a:t>
             </a:r>
             <a:endParaRPr lang="zh-TW" altLang="en-US" dirty="0"/>
@@ -7019,27 +7293,15 @@
           <a:p>
             <a:r>
               <a:rPr lang="zh-TW" altLang="en-US" dirty="0" smtClean="0"/>
-              <a:t>第二次以後登入完成會出現類似下面畫面，請選擇 </a:t>
-            </a:r>
-            <a:r>
-              <a:rPr lang="en-US" altLang="zh-TW" dirty="0" smtClean="0">
-                <a:solidFill>
-                  <a:srgbClr val="FF0000"/>
-                </a:solidFill>
-              </a:rPr>
-              <a:t>Continue</a:t>
-            </a:r>
-            <a:endParaRPr lang="zh-TW" altLang="en-US" dirty="0">
-              <a:solidFill>
-                <a:srgbClr val="FF0000"/>
-              </a:solidFill>
-            </a:endParaRPr>
+              <a:t>登入成功，會出現大致與下面類似的畫面。</a:t>
+            </a:r>
+            <a:endParaRPr lang="zh-TW" altLang="en-US" dirty="0"/>
           </a:p>
         </p:txBody>
       </p:sp>
       <p:pic>
         <p:nvPicPr>
-          <p:cNvPr id="6" name="圖片 5"/>
+          <p:cNvPr id="4" name="圖片 3"/>
           <p:cNvPicPr>
             <a:picLocks noChangeAspect="1"/>
           </p:cNvPicPr>
@@ -7053,58 +7315,23 @@
         </p:blipFill>
         <p:spPr>
           <a:xfrm>
-            <a:off x="1591706" y="2593088"/>
-            <a:ext cx="6948080" cy="3908295"/>
+            <a:off x="1891626" y="2697480"/>
+            <a:ext cx="9239479" cy="3842766"/>
           </a:xfrm>
           <a:prstGeom prst="rect">
             <a:avLst/>
           </a:prstGeom>
+          <a:ln>
+            <a:solidFill>
+              <a:schemeClr val="tx1"/>
+            </a:solidFill>
+          </a:ln>
         </p:spPr>
       </p:pic>
-      <p:sp>
-        <p:nvSpPr>
-          <p:cNvPr id="7" name="向右箭號 6"/>
-          <p:cNvSpPr/>
-          <p:nvPr/>
-        </p:nvSpPr>
-        <p:spPr>
-          <a:xfrm>
-            <a:off x="3419856" y="5907024"/>
-            <a:ext cx="347472" cy="219456"/>
-          </a:xfrm>
-          <a:prstGeom prst="rightArrow">
-            <a:avLst/>
-          </a:prstGeom>
-        </p:spPr>
-        <p:style>
-          <a:lnRef idx="2">
-            <a:schemeClr val="accent1">
-              <a:shade val="50000"/>
-            </a:schemeClr>
-          </a:lnRef>
-          <a:fillRef idx="1">
-            <a:schemeClr val="accent1"/>
-          </a:fillRef>
-          <a:effectRef idx="0">
-            <a:schemeClr val="accent1"/>
-          </a:effectRef>
-          <a:fontRef idx="minor">
-            <a:schemeClr val="lt1"/>
-          </a:fontRef>
-        </p:style>
-        <p:txBody>
-          <a:bodyPr rtlCol="0" anchor="ctr"/>
-          <a:lstStyle/>
-          <a:p>
-            <a:pPr algn="ctr"/>
-            <a:endParaRPr lang="zh-TW" altLang="en-US"/>
-          </a:p>
-        </p:txBody>
-      </p:sp>
     </p:spTree>
     <p:extLst>
       <p:ext uri="{BB962C8B-B14F-4D97-AF65-F5344CB8AC3E}">
-        <p14:creationId xmlns:p14="http://schemas.microsoft.com/office/powerpoint/2010/main" val="2758273106"/>
+        <p14:creationId xmlns:p14="http://schemas.microsoft.com/office/powerpoint/2010/main" val="2221552713"/>
       </p:ext>
     </p:extLst>
   </p:cSld>
@@ -7147,63 +7374,63 @@
           <a:lstStyle/>
           <a:p>
             <a:r>
+              <a:rPr lang="zh-TW" altLang="en-US" dirty="0"/>
+              <a:t>登入</a:t>
+            </a:r>
+            <a:r>
+              <a:rPr lang="en-US" altLang="zh-TW" dirty="0"/>
+              <a:t>AI2</a:t>
+            </a:r>
+            <a:r>
+              <a:rPr lang="zh-TW" altLang="en-US" dirty="0"/>
+              <a:t>步驟</a:t>
+            </a:r>
+            <a:r>
+              <a:rPr lang="en-US" altLang="zh-TW" dirty="0"/>
+              <a:t>3/3</a:t>
+            </a:r>
+            <a:endParaRPr lang="zh-TW" altLang="en-US" dirty="0"/>
+          </a:p>
+        </p:txBody>
+      </p:sp>
+      <p:sp>
+        <p:nvSpPr>
+          <p:cNvPr id="3" name="內容版面配置區 2"/>
+          <p:cNvSpPr>
+            <a:spLocks noGrp="1"/>
+          </p:cNvSpPr>
+          <p:nvPr>
+            <p:ph idx="1"/>
+          </p:nvPr>
+        </p:nvSpPr>
+        <p:spPr/>
+        <p:txBody>
+          <a:bodyPr/>
+          <a:lstStyle/>
+          <a:p>
+            <a:r>
               <a:rPr lang="zh-TW" altLang="en-US" dirty="0" smtClean="0"/>
-              <a:t>切換語言為繁體中文</a:t>
-            </a:r>
-            <a:endParaRPr lang="zh-TW" altLang="en-US" dirty="0"/>
-          </a:p>
-        </p:txBody>
-      </p:sp>
-      <p:sp>
-        <p:nvSpPr>
-          <p:cNvPr id="3" name="內容版面配置區 2"/>
-          <p:cNvSpPr>
-            <a:spLocks noGrp="1"/>
-          </p:cNvSpPr>
-          <p:nvPr>
-            <p:ph idx="1"/>
-          </p:nvPr>
-        </p:nvSpPr>
-        <p:spPr/>
-        <p:txBody>
-          <a:bodyPr/>
-          <a:lstStyle/>
-          <a:p>
-            <a:r>
-              <a:rPr lang="zh-TW" altLang="en-US" dirty="0" smtClean="0"/>
-              <a:t>點下畫面中</a:t>
-            </a:r>
-            <a:r>
-              <a:rPr lang="en-US" altLang="zh-TW" b="1" dirty="0" smtClean="0">
+              <a:t>第二次以後登入完成會出現類似下面畫面，請選擇 </a:t>
+            </a:r>
+            <a:r>
+              <a:rPr lang="en-US" altLang="zh-TW" dirty="0" smtClean="0">
                 <a:solidFill>
                   <a:srgbClr val="FF0000"/>
                 </a:solidFill>
               </a:rPr>
-              <a:t>English</a:t>
-            </a:r>
-            <a:r>
-              <a:rPr lang="zh-TW" altLang="en-US" dirty="0" smtClean="0"/>
-              <a:t>的地方，在下拉選單中點選</a:t>
-            </a:r>
-            <a:r>
-              <a:rPr lang="zh-TW" altLang="en-US" b="1" dirty="0" smtClean="0">
-                <a:solidFill>
-                  <a:srgbClr val="FF0000"/>
-                </a:solidFill>
-              </a:rPr>
-              <a:t>繁體中文</a:t>
-            </a:r>
-            <a:r>
-              <a:rPr lang="zh-TW" altLang="en-US" dirty="0" smtClean="0"/>
-              <a:t>。</a:t>
-            </a:r>
-            <a:endParaRPr lang="zh-TW" altLang="en-US" dirty="0"/>
+              <a:t>Continue</a:t>
+            </a:r>
+            <a:endParaRPr lang="zh-TW" altLang="en-US" dirty="0">
+              <a:solidFill>
+                <a:srgbClr val="FF0000"/>
+              </a:solidFill>
+            </a:endParaRPr>
           </a:p>
         </p:txBody>
       </p:sp>
       <p:pic>
         <p:nvPicPr>
-          <p:cNvPr id="4" name="圖片 3"/>
+          <p:cNvPr id="6" name="圖片 5"/>
           <p:cNvPicPr>
             <a:picLocks noChangeAspect="1"/>
           </p:cNvPicPr>
@@ -7217,39 +7444,28 @@
         </p:blipFill>
         <p:spPr>
           <a:xfrm>
-            <a:off x="2185416" y="2694732"/>
-            <a:ext cx="7496712" cy="4035252"/>
+            <a:off x="1591706" y="2593088"/>
+            <a:ext cx="6948080" cy="3908295"/>
           </a:xfrm>
           <a:prstGeom prst="rect">
             <a:avLst/>
           </a:prstGeom>
-          <a:ln>
-            <a:solidFill>
-              <a:schemeClr val="tx1"/>
-            </a:solidFill>
-          </a:ln>
         </p:spPr>
       </p:pic>
       <p:sp>
         <p:nvSpPr>
-          <p:cNvPr id="5" name="向右箭號 4"/>
+          <p:cNvPr id="7" name="向右箭號 6"/>
           <p:cNvSpPr/>
           <p:nvPr/>
         </p:nvSpPr>
         <p:spPr>
-          <a:xfrm rot="13285269">
-            <a:off x="8278842" y="3572341"/>
-            <a:ext cx="557784" cy="329184"/>
+          <a:xfrm>
+            <a:off x="3419856" y="5907024"/>
+            <a:ext cx="347472" cy="219456"/>
           </a:xfrm>
           <a:prstGeom prst="rightArrow">
             <a:avLst/>
           </a:prstGeom>
-          <a:noFill/>
-          <a:ln w="38100">
-            <a:solidFill>
-              <a:srgbClr val="FF0000"/>
-            </a:solidFill>
-          </a:ln>
         </p:spPr>
         <p:style>
           <a:lnRef idx="2">
@@ -7276,15 +7492,144 @@
           </a:p>
         </p:txBody>
       </p:sp>
-      <p:sp>
-        <p:nvSpPr>
-          <p:cNvPr id="6" name="向右箭號 5"/>
+    </p:spTree>
+    <p:extLst>
+      <p:ext uri="{BB962C8B-B14F-4D97-AF65-F5344CB8AC3E}">
+        <p14:creationId xmlns:p14="http://schemas.microsoft.com/office/powerpoint/2010/main" val="2758273106"/>
+      </p:ext>
+    </p:extLst>
+  </p:cSld>
+  <p:clrMapOvr>
+    <a:masterClrMapping/>
+  </p:clrMapOvr>
+</p:sld>
+</file>
+
+<file path=ppt/slides/slide16.xml><?xml version="1.0" encoding="utf-8"?>
+<p:sld xmlns:a="http://schemas.openxmlformats.org/drawingml/2006/main" xmlns:r="http://schemas.openxmlformats.org/officeDocument/2006/relationships" xmlns:p="http://schemas.openxmlformats.org/presentationml/2006/main">
+  <p:cSld>
+    <p:spTree>
+      <p:nvGrpSpPr>
+        <p:cNvPr id="1" name=""/>
+        <p:cNvGrpSpPr/>
+        <p:nvPr/>
+      </p:nvGrpSpPr>
+      <p:grpSpPr>
+        <a:xfrm>
+          <a:off x="0" y="0"/>
+          <a:ext cx="0" cy="0"/>
+          <a:chOff x="0" y="0"/>
+          <a:chExt cx="0" cy="0"/>
+        </a:xfrm>
+      </p:grpSpPr>
+      <p:sp>
+        <p:nvSpPr>
+          <p:cNvPr id="2" name="標題 1"/>
+          <p:cNvSpPr>
+            <a:spLocks noGrp="1"/>
+          </p:cNvSpPr>
+          <p:nvPr>
+            <p:ph type="title"/>
+          </p:nvPr>
+        </p:nvSpPr>
+        <p:spPr/>
+        <p:txBody>
+          <a:bodyPr/>
+          <a:lstStyle/>
+          <a:p>
+            <a:r>
+              <a:rPr lang="zh-TW" altLang="en-US" dirty="0" smtClean="0"/>
+              <a:t>切換語言為繁體中文</a:t>
+            </a:r>
+            <a:endParaRPr lang="zh-TW" altLang="en-US" dirty="0"/>
+          </a:p>
+        </p:txBody>
+      </p:sp>
+      <p:sp>
+        <p:nvSpPr>
+          <p:cNvPr id="3" name="內容版面配置區 2"/>
+          <p:cNvSpPr>
+            <a:spLocks noGrp="1"/>
+          </p:cNvSpPr>
+          <p:nvPr>
+            <p:ph idx="1"/>
+          </p:nvPr>
+        </p:nvSpPr>
+        <p:spPr/>
+        <p:txBody>
+          <a:bodyPr/>
+          <a:lstStyle/>
+          <a:p>
+            <a:r>
+              <a:rPr lang="zh-TW" altLang="en-US" dirty="0" smtClean="0"/>
+              <a:t>點下畫面中</a:t>
+            </a:r>
+            <a:r>
+              <a:rPr lang="en-US" altLang="zh-TW" b="1" dirty="0" smtClean="0">
+                <a:solidFill>
+                  <a:srgbClr val="FF0000"/>
+                </a:solidFill>
+              </a:rPr>
+              <a:t>English</a:t>
+            </a:r>
+            <a:r>
+              <a:rPr lang="zh-TW" altLang="en-US" dirty="0" smtClean="0"/>
+              <a:t>的地方，在下拉選單中點選</a:t>
+            </a:r>
+            <a:r>
+              <a:rPr lang="zh-TW" altLang="en-US" b="1" dirty="0" smtClean="0">
+                <a:solidFill>
+                  <a:srgbClr val="FF0000"/>
+                </a:solidFill>
+              </a:rPr>
+              <a:t>繁體中文</a:t>
+            </a:r>
+            <a:r>
+              <a:rPr lang="zh-TW" altLang="en-US" dirty="0" smtClean="0"/>
+              <a:t>。</a:t>
+            </a:r>
+            <a:endParaRPr lang="zh-TW" altLang="en-US" dirty="0"/>
+          </a:p>
+        </p:txBody>
+      </p:sp>
+      <p:pic>
+        <p:nvPicPr>
+          <p:cNvPr id="4" name="圖片 3"/>
+          <p:cNvPicPr>
+            <a:picLocks noChangeAspect="1"/>
+          </p:cNvPicPr>
+          <p:nvPr/>
+        </p:nvPicPr>
+        <p:blipFill>
+          <a:blip r:embed="rId2"/>
+          <a:stretch>
+            <a:fillRect/>
+          </a:stretch>
+        </p:blipFill>
+        <p:spPr>
+          <a:xfrm>
+            <a:off x="2185416" y="2694732"/>
+            <a:ext cx="7496712" cy="4035252"/>
+          </a:xfrm>
+          <a:prstGeom prst="rect">
+            <a:avLst/>
+          </a:prstGeom>
+          <a:ln>
+            <a:solidFill>
+              <a:schemeClr val="tx1"/>
+            </a:solidFill>
+          </a:ln>
+        </p:spPr>
+      </p:pic>
+      <p:sp>
+        <p:nvSpPr>
+          <p:cNvPr id="5" name="向右箭號 4"/>
           <p:cNvSpPr/>
           <p:nvPr/>
         </p:nvSpPr>
         <p:spPr>
-          <a:xfrm rot="18974888">
-            <a:off x="6861522" y="6029581"/>
+          <a:xfrm rot="13285269">
+            <a:off x="8278842" y="3572341"/>
             <a:ext cx="557784" cy="329184"/>
           </a:xfrm>
           <a:prstGeom prst="rightArrow">
@@ -7322,6 +7667,52 @@
           </a:p>
         </p:txBody>
       </p:sp>
+      <p:sp>
+        <p:nvSpPr>
+          <p:cNvPr id="6" name="向右箭號 5"/>
+          <p:cNvSpPr/>
+          <p:nvPr/>
+        </p:nvSpPr>
+        <p:spPr>
+          <a:xfrm rot="18974888">
+            <a:off x="6861522" y="6029581"/>
+            <a:ext cx="557784" cy="329184"/>
+          </a:xfrm>
+          <a:prstGeom prst="rightArrow">
+            <a:avLst/>
+          </a:prstGeom>
+          <a:noFill/>
+          <a:ln w="38100">
+            <a:solidFill>
+              <a:srgbClr val="FF0000"/>
+            </a:solidFill>
+          </a:ln>
+        </p:spPr>
+        <p:style>
+          <a:lnRef idx="2">
+            <a:schemeClr val="accent1">
+              <a:shade val="50000"/>
+            </a:schemeClr>
+          </a:lnRef>
+          <a:fillRef idx="1">
+            <a:schemeClr val="accent1"/>
+          </a:fillRef>
+          <a:effectRef idx="0">
+            <a:schemeClr val="accent1"/>
+          </a:effectRef>
+          <a:fontRef idx="minor">
+            <a:schemeClr val="lt1"/>
+          </a:fontRef>
+        </p:style>
+        <p:txBody>
+          <a:bodyPr rtlCol="0" anchor="ctr"/>
+          <a:lstStyle/>
+          <a:p>
+            <a:pPr algn="ctr"/>
+            <a:endParaRPr lang="zh-TW" altLang="en-US"/>
+          </a:p>
+        </p:txBody>
+      </p:sp>
     </p:spTree>
     <p:extLst>
       <p:ext uri="{BB962C8B-B14F-4D97-AF65-F5344CB8AC3E}">
@@ -7335,7 +7726,7 @@
 </p:sld>
 </file>
 
-<file path=ppt/slides/slide16.xml><?xml version="1.0" encoding="utf-8"?>
+<file path=ppt/slides/slide17.xml><?xml version="1.0" encoding="utf-8"?>
 <p:sld xmlns:a="http://schemas.openxmlformats.org/drawingml/2006/main" xmlns:r="http://schemas.openxmlformats.org/officeDocument/2006/relationships" xmlns:p="http://schemas.openxmlformats.org/presentationml/2006/main">
   <p:cSld>
     <p:spTree>
@@ -9168,6 +9559,255 @@
           <a:lstStyle/>
           <a:p>
             <a:r>
+              <a:rPr lang="zh-TW" altLang="en-US" dirty="0" smtClean="0"/>
+              <a:t>一定要開手機的</a:t>
+            </a:r>
+            <a:r>
+              <a:rPr lang="zh-TW" altLang="en-US" b="1" dirty="0" smtClean="0">
+                <a:solidFill>
+                  <a:srgbClr val="FF0000"/>
+                </a:solidFill>
+              </a:rPr>
+              <a:t>開發人員</a:t>
+            </a:r>
+            <a:r>
+              <a:rPr lang="en-US" altLang="zh-TW" b="1" dirty="0" smtClean="0">
+                <a:solidFill>
+                  <a:srgbClr val="FF0000"/>
+                </a:solidFill>
+              </a:rPr>
+              <a:t>(</a:t>
+            </a:r>
+            <a:r>
+              <a:rPr lang="zh-TW" altLang="en-US" b="1" dirty="0" smtClean="0">
+                <a:solidFill>
+                  <a:srgbClr val="FF0000"/>
+                </a:solidFill>
+              </a:rPr>
+              <a:t>者</a:t>
+            </a:r>
+            <a:r>
+              <a:rPr lang="en-US" altLang="zh-TW" b="1" dirty="0" smtClean="0">
+                <a:solidFill>
+                  <a:srgbClr val="FF0000"/>
+                </a:solidFill>
+              </a:rPr>
+              <a:t>)</a:t>
+            </a:r>
+            <a:r>
+              <a:rPr lang="zh-TW" altLang="en-US" b="1" dirty="0" smtClean="0">
+                <a:solidFill>
+                  <a:srgbClr val="FF0000"/>
+                </a:solidFill>
+              </a:rPr>
+              <a:t>選項</a:t>
+            </a:r>
+            <a:r>
+              <a:rPr lang="zh-TW" altLang="en-US" dirty="0" smtClean="0"/>
+              <a:t>！</a:t>
+            </a:r>
+            <a:endParaRPr lang="zh-TW" altLang="en-US" dirty="0"/>
+          </a:p>
+        </p:txBody>
+      </p:sp>
+      <p:sp>
+        <p:nvSpPr>
+          <p:cNvPr id="3" name="內容版面配置區 2"/>
+          <p:cNvSpPr>
+            <a:spLocks noGrp="1"/>
+          </p:cNvSpPr>
+          <p:nvPr>
+            <p:ph idx="1"/>
+          </p:nvPr>
+        </p:nvSpPr>
+        <p:spPr/>
+        <p:txBody>
+          <a:bodyPr/>
+          <a:lstStyle/>
+          <a:p>
+            <a:r>
+              <a:rPr lang="zh-TW" altLang="en-US" dirty="0" smtClean="0"/>
+              <a:t>各家手機與不同型號的啟用</a:t>
+            </a:r>
+            <a:r>
+              <a:rPr lang="zh-TW" altLang="en-US" b="1" dirty="0" smtClean="0">
+                <a:solidFill>
+                  <a:srgbClr val="FF0000"/>
+                </a:solidFill>
+              </a:rPr>
+              <a:t>開發人員</a:t>
+            </a:r>
+            <a:r>
+              <a:rPr lang="en-US" altLang="zh-TW" b="1" dirty="0" smtClean="0">
+                <a:solidFill>
+                  <a:srgbClr val="FF0000"/>
+                </a:solidFill>
+              </a:rPr>
+              <a:t>(</a:t>
+            </a:r>
+            <a:r>
+              <a:rPr lang="zh-TW" altLang="en-US" b="1" dirty="0" smtClean="0">
+                <a:solidFill>
+                  <a:srgbClr val="FF0000"/>
+                </a:solidFill>
+              </a:rPr>
+              <a:t>者</a:t>
+            </a:r>
+            <a:r>
+              <a:rPr lang="en-US" altLang="zh-TW" b="1" dirty="0" smtClean="0">
+                <a:solidFill>
+                  <a:srgbClr val="FF0000"/>
+                </a:solidFill>
+              </a:rPr>
+              <a:t>)</a:t>
+            </a:r>
+            <a:r>
+              <a:rPr lang="zh-TW" altLang="en-US" b="1" dirty="0" smtClean="0">
+                <a:solidFill>
+                  <a:srgbClr val="FF0000"/>
+                </a:solidFill>
+              </a:rPr>
+              <a:t>選項</a:t>
+            </a:r>
+            <a:r>
+              <a:rPr lang="zh-TW" altLang="en-US" dirty="0" smtClean="0"/>
+              <a:t>的步驟不一定一樣。</a:t>
+            </a:r>
+            <a:endParaRPr lang="en-US" altLang="zh-TW" dirty="0" smtClean="0"/>
+          </a:p>
+          <a:p>
+            <a:r>
+              <a:rPr lang="zh-TW" altLang="en-US" dirty="0"/>
+              <a:t>請查一下網路上有個家的方式說明</a:t>
+            </a:r>
+            <a:r>
+              <a:rPr lang="zh-TW" altLang="en-US" dirty="0" smtClean="0"/>
+              <a:t>。</a:t>
+            </a:r>
+            <a:endParaRPr lang="en-US" altLang="zh-TW" dirty="0" smtClean="0"/>
+          </a:p>
+          <a:p>
+            <a:r>
+              <a:rPr lang="zh-TW" altLang="en-US" dirty="0" smtClean="0"/>
+              <a:t>在裡面啟用以下幾個</a:t>
+            </a:r>
+            <a:r>
+              <a:rPr lang="en-US" altLang="zh-TW" dirty="0" smtClean="0"/>
+              <a:t>(</a:t>
+            </a:r>
+            <a:r>
+              <a:rPr lang="zh-TW" altLang="en-US" dirty="0" smtClean="0"/>
+              <a:t>有一些不一定在開發人員選項中！</a:t>
+            </a:r>
+            <a:r>
+              <a:rPr lang="en-US" altLang="zh-TW" dirty="0" smtClean="0"/>
+              <a:t>)</a:t>
+            </a:r>
+          </a:p>
+          <a:p>
+            <a:pPr lvl="1"/>
+            <a:r>
+              <a:rPr lang="en-US" altLang="zh-TW" dirty="0" smtClean="0"/>
+              <a:t>USB</a:t>
+            </a:r>
+            <a:r>
+              <a:rPr lang="zh-TW" altLang="en-US" dirty="0" smtClean="0"/>
+              <a:t>偵錯</a:t>
+            </a:r>
+            <a:endParaRPr lang="en-US" altLang="zh-TW" dirty="0" smtClean="0"/>
+          </a:p>
+          <a:p>
+            <a:pPr lvl="1"/>
+            <a:r>
+              <a:rPr lang="en-US" altLang="zh-TW" dirty="0" smtClean="0"/>
+              <a:t>USB</a:t>
+            </a:r>
+            <a:r>
+              <a:rPr lang="zh-TW" altLang="en-US" dirty="0" smtClean="0"/>
+              <a:t>安裝</a:t>
+            </a:r>
+            <a:endParaRPr lang="en-US" altLang="zh-TW" dirty="0" smtClean="0"/>
+          </a:p>
+          <a:p>
+            <a:pPr lvl="1"/>
+            <a:r>
+              <a:rPr lang="zh-TW" altLang="en-US" dirty="0"/>
+              <a:t>通過</a:t>
+            </a:r>
+            <a:r>
+              <a:rPr lang="en-US" altLang="zh-TW" dirty="0"/>
+              <a:t>USB</a:t>
+            </a:r>
+            <a:r>
+              <a:rPr lang="zh-TW" altLang="en-US" dirty="0"/>
+              <a:t>驗證</a:t>
+            </a:r>
+            <a:r>
+              <a:rPr lang="zh-TW" altLang="en-US" dirty="0" smtClean="0"/>
+              <a:t>應用</a:t>
+            </a:r>
+            <a:endParaRPr lang="en-US" altLang="zh-TW" dirty="0" smtClean="0"/>
+          </a:p>
+          <a:p>
+            <a:pPr lvl="1"/>
+            <a:r>
+              <a:rPr lang="zh-TW" altLang="en-US" dirty="0"/>
+              <a:t>允許安裝未知</a:t>
+            </a:r>
+            <a:r>
+              <a:rPr lang="zh-TW" altLang="en-US" dirty="0" smtClean="0"/>
+              <a:t>來源應用</a:t>
+            </a:r>
+            <a:endParaRPr lang="zh-TW" altLang="en-US" dirty="0"/>
+          </a:p>
+        </p:txBody>
+      </p:sp>
+    </p:spTree>
+    <p:extLst>
+      <p:ext uri="{BB962C8B-B14F-4D97-AF65-F5344CB8AC3E}">
+        <p14:creationId xmlns:p14="http://schemas.microsoft.com/office/powerpoint/2010/main" val="240008884"/>
+      </p:ext>
+    </p:extLst>
+  </p:cSld>
+  <p:clrMapOvr>
+    <a:masterClrMapping/>
+  </p:clrMapOvr>
+</p:sld>
+</file>
+
+<file path=ppt/slides/slide7.xml><?xml version="1.0" encoding="utf-8"?>
+<p:sld xmlns:a="http://schemas.openxmlformats.org/drawingml/2006/main" xmlns:r="http://schemas.openxmlformats.org/officeDocument/2006/relationships" xmlns:p="http://schemas.openxmlformats.org/presentationml/2006/main">
+  <p:cSld>
+    <p:spTree>
+      <p:nvGrpSpPr>
+        <p:cNvPr id="1" name=""/>
+        <p:cNvGrpSpPr/>
+        <p:nvPr/>
+      </p:nvGrpSpPr>
+      <p:grpSpPr>
+        <a:xfrm>
+          <a:off x="0" y="0"/>
+          <a:ext cx="0" cy="0"/>
+          <a:chOff x="0" y="0"/>
+          <a:chExt cx="0" cy="0"/>
+        </a:xfrm>
+      </p:grpSpPr>
+      <p:sp>
+        <p:nvSpPr>
+          <p:cNvPr id="2" name="標題 1"/>
+          <p:cNvSpPr>
+            <a:spLocks noGrp="1"/>
+          </p:cNvSpPr>
+          <p:nvPr>
+            <p:ph type="title"/>
+          </p:nvPr>
+        </p:nvSpPr>
+        <p:spPr/>
+        <p:txBody>
+          <a:bodyPr/>
+          <a:lstStyle/>
+          <a:p>
+            <a:r>
               <a:rPr lang="zh-TW" altLang="en-US" dirty="0"/>
               <a:t>安裝</a:t>
             </a:r>
@@ -9759,7 +10399,7 @@
 </p:sld>
 </file>
 
-<file path=ppt/slides/slide7.xml><?xml version="1.0" encoding="utf-8"?>
+<file path=ppt/slides/slide8.xml><?xml version="1.0" encoding="utf-8"?>
 <p:sld xmlns:a="http://schemas.openxmlformats.org/drawingml/2006/main" xmlns:r="http://schemas.openxmlformats.org/officeDocument/2006/relationships" xmlns:p="http://schemas.openxmlformats.org/presentationml/2006/main">
   <p:cSld>
     <p:spTree>
@@ -10116,90 +10756,6 @@
     <p:extLst>
       <p:ext uri="{BB962C8B-B14F-4D97-AF65-F5344CB8AC3E}">
         <p14:creationId xmlns:p14="http://schemas.microsoft.com/office/powerpoint/2010/main" val="4024310163"/>
-      </p:ext>
-    </p:extLst>
-  </p:cSld>
-  <p:clrMapOvr>
-    <a:masterClrMapping/>
-  </p:clrMapOvr>
-</p:sld>
-</file>
-
-<file path=ppt/slides/slide8.xml><?xml version="1.0" encoding="utf-8"?>
-<p:sld xmlns:a="http://schemas.openxmlformats.org/drawingml/2006/main" xmlns:r="http://schemas.openxmlformats.org/officeDocument/2006/relationships" xmlns:p="http://schemas.openxmlformats.org/presentationml/2006/main">
-  <p:cSld>
-    <p:spTree>
-      <p:nvGrpSpPr>
-        <p:cNvPr id="1" name=""/>
-        <p:cNvGrpSpPr/>
-        <p:nvPr/>
-      </p:nvGrpSpPr>
-      <p:grpSpPr>
-        <a:xfrm>
-          <a:off x="0" y="0"/>
-          <a:ext cx="0" cy="0"/>
-          <a:chOff x="0" y="0"/>
-          <a:chExt cx="0" cy="0"/>
-        </a:xfrm>
-      </p:grpSpPr>
-      <p:sp>
-        <p:nvSpPr>
-          <p:cNvPr id="4" name="標題 3"/>
-          <p:cNvSpPr>
-            <a:spLocks noGrp="1"/>
-          </p:cNvSpPr>
-          <p:nvPr>
-            <p:ph type="title"/>
-          </p:nvPr>
-        </p:nvSpPr>
-        <p:spPr/>
-        <p:txBody>
-          <a:bodyPr/>
-          <a:lstStyle/>
-          <a:p>
-            <a:r>
-              <a:rPr lang="zh-TW" altLang="en-US" dirty="0" smtClean="0"/>
-              <a:t>啟動</a:t>
-            </a:r>
-            <a:r>
-              <a:rPr lang="en-US" altLang="zh-TW" dirty="0" smtClean="0"/>
-              <a:t>APP Inventor 2 </a:t>
-            </a:r>
-            <a:r>
-              <a:rPr lang="zh-TW" altLang="en-US" dirty="0" smtClean="0"/>
-              <a:t>開發環境</a:t>
-            </a:r>
-            <a:endParaRPr lang="zh-TW" altLang="en-US" dirty="0"/>
-          </a:p>
-        </p:txBody>
-      </p:sp>
-      <p:sp>
-        <p:nvSpPr>
-          <p:cNvPr id="7" name="文字版面配置區 6"/>
-          <p:cNvSpPr>
-            <a:spLocks noGrp="1"/>
-          </p:cNvSpPr>
-          <p:nvPr>
-            <p:ph type="body" idx="1"/>
-          </p:nvPr>
-        </p:nvSpPr>
-        <p:spPr/>
-        <p:txBody>
-          <a:bodyPr/>
-          <a:lstStyle/>
-          <a:p>
-            <a:endParaRPr lang="zh-TW" altLang="en-US" b="1" dirty="0">
-              <a:solidFill>
-                <a:srgbClr val="FF0000"/>
-              </a:solidFill>
-            </a:endParaRPr>
-          </a:p>
-        </p:txBody>
-      </p:sp>
-    </p:spTree>
-    <p:extLst>
-      <p:ext uri="{BB962C8B-B14F-4D97-AF65-F5344CB8AC3E}">
-        <p14:creationId xmlns:p14="http://schemas.microsoft.com/office/powerpoint/2010/main" val="3442270020"/>
       </p:ext>
     </p:extLst>
   </p:cSld>
@@ -10228,7 +10784,7 @@
       </p:grpSpPr>
       <p:sp>
         <p:nvSpPr>
-          <p:cNvPr id="2" name="標題 1"/>
+          <p:cNvPr id="4" name="標題 3"/>
           <p:cNvSpPr>
             <a:spLocks noGrp="1"/>
           </p:cNvSpPr>
@@ -10241,355 +10797,49 @@
           <a:bodyPr/>
           <a:lstStyle/>
           <a:p>
-            <a:r>
-              <a:rPr lang="zh-TW" altLang="en-US" dirty="0" smtClean="0"/>
-              <a:t>啟用步驟</a:t>
-            </a:r>
-            <a:endParaRPr lang="zh-TW" altLang="en-US" dirty="0"/>
-          </a:p>
-        </p:txBody>
-      </p:sp>
-      <p:sp>
-        <p:nvSpPr>
-          <p:cNvPr id="3" name="內容版面配置區 2"/>
-          <p:cNvSpPr>
-            <a:spLocks noGrp="1"/>
-          </p:cNvSpPr>
-          <p:nvPr>
-            <p:ph idx="1"/>
-          </p:nvPr>
-        </p:nvSpPr>
-        <p:spPr/>
-        <p:txBody>
-          <a:bodyPr>
-            <a:normAutofit/>
-          </a:bodyPr>
-          <a:lstStyle/>
-          <a:p>
-            <a:r>
-              <a:rPr lang="zh-TW" altLang="en-US" dirty="0" smtClean="0"/>
-              <a:t>使用</a:t>
-            </a:r>
-            <a:r>
-              <a:rPr lang="en-US" altLang="zh-TW" dirty="0" err="1" smtClean="0"/>
-              <a:t>Wifi</a:t>
-            </a:r>
-            <a:r>
-              <a:rPr lang="zh-TW" altLang="en-US" dirty="0" smtClean="0"/>
-              <a:t>連結之啟用步驟：</a:t>
-            </a:r>
-            <a:endParaRPr lang="en-US" altLang="zh-TW" dirty="0"/>
-          </a:p>
-          <a:p>
-            <a:pPr marL="914400" lvl="1" indent="-457200">
-              <a:buFont typeface="+mj-lt"/>
-              <a:buAutoNum type="arabicPeriod"/>
-            </a:pPr>
-            <a:r>
-              <a:rPr lang="zh-TW" altLang="en-US" dirty="0" smtClean="0"/>
-              <a:t>請把</a:t>
-            </a:r>
-            <a:r>
-              <a:rPr lang="zh-TW" altLang="en-US" dirty="0"/>
-              <a:t>主機跟手機連上同一個</a:t>
-            </a:r>
-            <a:r>
-              <a:rPr lang="en-US" altLang="zh-TW" dirty="0" err="1"/>
-              <a:t>Wifi</a:t>
-            </a:r>
-            <a:r>
-              <a:rPr lang="zh-TW" altLang="en-US" dirty="0"/>
-              <a:t>網域</a:t>
-            </a:r>
-            <a:r>
-              <a:rPr lang="en-US" altLang="zh-TW" dirty="0"/>
-              <a:t>(</a:t>
-            </a:r>
-            <a:r>
-              <a:rPr lang="zh-TW" altLang="en-US" dirty="0"/>
-              <a:t>同一個</a:t>
-            </a:r>
-            <a:r>
-              <a:rPr lang="en-US" altLang="zh-TW" dirty="0"/>
-              <a:t>LAN)</a:t>
-            </a:r>
-          </a:p>
-          <a:p>
-            <a:pPr marL="914400" lvl="1" indent="-457200">
-              <a:buFont typeface="+mj-lt"/>
-              <a:buAutoNum type="arabicPeriod"/>
-            </a:pPr>
-            <a:r>
-              <a:rPr lang="zh-TW" altLang="en-US" dirty="0"/>
-              <a:t>手機上啟動</a:t>
-            </a:r>
-            <a:r>
-              <a:rPr lang="en-US" altLang="zh-TW" b="1" dirty="0"/>
-              <a:t>AI2 Companion APP</a:t>
-            </a:r>
-          </a:p>
-          <a:p>
-            <a:pPr marL="914400" lvl="1" indent="-457200">
-              <a:buFont typeface="+mj-lt"/>
-              <a:buAutoNum type="arabicPeriod"/>
-            </a:pPr>
-            <a:r>
-              <a:rPr lang="zh-TW" altLang="en-US" dirty="0"/>
-              <a:t>在主機上開啟</a:t>
-            </a:r>
-            <a:r>
-              <a:rPr lang="en-US" altLang="zh-TW" dirty="0"/>
-              <a:t>Chrome</a:t>
-            </a:r>
-            <a:r>
-              <a:rPr lang="zh-TW" altLang="en-US" dirty="0"/>
-              <a:t>瀏覽器</a:t>
-            </a:r>
-            <a:r>
-              <a:rPr lang="zh-TW" altLang="en-US" dirty="0" smtClean="0"/>
-              <a:t>，</a:t>
-            </a:r>
-            <a:r>
-              <a:rPr lang="zh-TW" altLang="en-US" dirty="0"/>
-              <a:t>網址</a:t>
-            </a:r>
-            <a:r>
-              <a:rPr lang="en-US" altLang="zh-TW" b="1" dirty="0">
-                <a:solidFill>
-                  <a:srgbClr val="FF0000"/>
-                </a:solidFill>
-              </a:rPr>
-              <a:t>https://appinventor.mit.edu</a:t>
-            </a:r>
-            <a:r>
-              <a:rPr lang="en-US" altLang="zh-TW" b="1" dirty="0" smtClean="0">
-                <a:solidFill>
-                  <a:srgbClr val="FF0000"/>
-                </a:solidFill>
-              </a:rPr>
-              <a:t>/</a:t>
-            </a:r>
-            <a:r>
-              <a:rPr lang="zh-TW" altLang="en-US" dirty="0" smtClean="0"/>
-              <a:t>，</a:t>
-            </a:r>
-            <a:r>
-              <a:rPr lang="zh-TW" altLang="en-US" dirty="0"/>
-              <a:t>並登入。</a:t>
-            </a:r>
-            <a:endParaRPr lang="en-US" altLang="zh-TW" dirty="0"/>
-          </a:p>
-          <a:p>
-            <a:pPr marL="914400" lvl="1" indent="-457200">
-              <a:buFont typeface="+mj-lt"/>
-              <a:buAutoNum type="arabicPeriod"/>
-            </a:pPr>
-            <a:r>
-              <a:rPr lang="zh-TW" altLang="en-US" dirty="0"/>
-              <a:t>在</a:t>
-            </a:r>
-            <a:r>
-              <a:rPr lang="en-US" altLang="zh-TW" dirty="0"/>
-              <a:t>Connect(</a:t>
-            </a:r>
-            <a:r>
-              <a:rPr lang="zh-TW" altLang="en-US" dirty="0"/>
-              <a:t>連線</a:t>
-            </a:r>
-            <a:r>
-              <a:rPr lang="en-US" altLang="zh-TW" dirty="0"/>
-              <a:t>)</a:t>
-            </a:r>
-            <a:r>
-              <a:rPr lang="zh-TW" altLang="en-US" dirty="0"/>
-              <a:t>下拉，點選</a:t>
-            </a:r>
-            <a:r>
-              <a:rPr lang="en-US" altLang="zh-TW" dirty="0"/>
-              <a:t>AI Companion</a:t>
-            </a:r>
-          </a:p>
-          <a:p>
-            <a:pPr marL="914400" lvl="1" indent="-457200">
-              <a:buFont typeface="+mj-lt"/>
-              <a:buAutoNum type="arabicPeriod"/>
-            </a:pPr>
-            <a:r>
-              <a:rPr lang="zh-TW" altLang="en-US" dirty="0"/>
-              <a:t>手機掃描</a:t>
-            </a:r>
-            <a:r>
-              <a:rPr lang="zh-TW" altLang="en-US"/>
-              <a:t>主機</a:t>
-            </a:r>
-            <a:r>
-              <a:rPr lang="zh-TW" altLang="en-US" smtClean="0"/>
-              <a:t>上新產生的</a:t>
-            </a:r>
-            <a:r>
-              <a:rPr lang="en-US" altLang="zh-TW" dirty="0"/>
-              <a:t>QR Code</a:t>
-            </a:r>
-            <a:r>
-              <a:rPr lang="zh-TW" altLang="en-US" dirty="0"/>
-              <a:t>即可完成開發環境</a:t>
-            </a:r>
-          </a:p>
-          <a:p>
-            <a:r>
-              <a:rPr lang="zh-TW" altLang="en-US" dirty="0" smtClean="0"/>
-              <a:t>使用</a:t>
-            </a:r>
-            <a:r>
-              <a:rPr lang="en-US" altLang="zh-TW" dirty="0" smtClean="0"/>
-              <a:t>USB</a:t>
-            </a:r>
-            <a:r>
-              <a:rPr lang="zh-TW" altLang="en-US" dirty="0" smtClean="0"/>
-              <a:t>連結之啟用步驟：</a:t>
-            </a:r>
-            <a:endParaRPr lang="en-US" altLang="zh-TW" dirty="0" smtClean="0"/>
-          </a:p>
-          <a:p>
-            <a:pPr marL="914400" lvl="1" indent="-457200">
-              <a:buFont typeface="+mj-lt"/>
-              <a:buAutoNum type="arabicPeriod"/>
-            </a:pPr>
             <a:r>
               <a:rPr lang="zh-TW" altLang="en-US" dirty="0" smtClean="0"/>
               <a:t>啟動</a:t>
             </a:r>
             <a:r>
-              <a:rPr lang="en-US" altLang="zh-TW" dirty="0"/>
-              <a:t>AI2 </a:t>
-            </a:r>
-            <a:r>
               <a:rPr lang="en-US" altLang="zh-TW" dirty="0" smtClean="0"/>
-              <a:t>Starter</a:t>
-            </a:r>
-          </a:p>
-          <a:p>
-            <a:pPr marL="914400" lvl="1" indent="-457200">
-              <a:buFont typeface="+mj-lt"/>
-              <a:buAutoNum type="arabicPeriod"/>
-            </a:pPr>
-            <a:r>
-              <a:rPr lang="zh-TW" altLang="en-US" dirty="0"/>
-              <a:t>手機上啟動</a:t>
-            </a:r>
-            <a:r>
-              <a:rPr lang="en-US" altLang="zh-TW" b="1" dirty="0"/>
-              <a:t>AI2 Companion APP</a:t>
-            </a:r>
-          </a:p>
-          <a:p>
-            <a:pPr marL="914400" lvl="1" indent="-457200">
-              <a:buFont typeface="+mj-lt"/>
-              <a:buAutoNum type="arabicPeriod"/>
-            </a:pPr>
+              <a:t>APP Inventor 2 </a:t>
+            </a:r>
             <a:r>
               <a:rPr lang="zh-TW" altLang="en-US" dirty="0" smtClean="0"/>
-              <a:t>開啟</a:t>
-            </a:r>
-            <a:r>
-              <a:rPr lang="en-US" altLang="zh-TW" dirty="0"/>
-              <a:t>Chrome</a:t>
-            </a:r>
-            <a:r>
-              <a:rPr lang="zh-TW" altLang="en-US" dirty="0" smtClean="0"/>
-              <a:t>瀏覽器</a:t>
-            </a:r>
-            <a:r>
-              <a:rPr lang="en-US" altLang="zh-TW" dirty="0"/>
-              <a:t>(</a:t>
-            </a:r>
-            <a:r>
-              <a:rPr lang="zh-TW" altLang="en-US" dirty="0"/>
-              <a:t>或是</a:t>
-            </a:r>
-            <a:r>
-              <a:rPr lang="en-US" altLang="zh-TW" dirty="0"/>
-              <a:t>Firefox)</a:t>
-            </a:r>
-            <a:r>
-              <a:rPr lang="zh-TW" altLang="en-US" dirty="0"/>
-              <a:t>，</a:t>
-            </a:r>
-            <a:r>
-              <a:rPr lang="zh-TW" altLang="en-US" dirty="0" smtClean="0"/>
-              <a:t>網址</a:t>
-            </a:r>
-            <a:r>
-              <a:rPr lang="en-US" altLang="zh-TW" b="1" dirty="0">
-                <a:solidFill>
-                  <a:srgbClr val="FF0000"/>
-                </a:solidFill>
-              </a:rPr>
-              <a:t>https://appinventor.mit.edu</a:t>
-            </a:r>
-            <a:r>
-              <a:rPr lang="en-US" altLang="zh-TW" b="1" dirty="0" smtClean="0">
-                <a:solidFill>
-                  <a:srgbClr val="FF0000"/>
-                </a:solidFill>
-              </a:rPr>
-              <a:t>/</a:t>
-            </a:r>
-            <a:r>
-              <a:rPr lang="zh-TW" altLang="en-US" dirty="0"/>
-              <a:t> ，並登入。</a:t>
-            </a:r>
-            <a:endParaRPr lang="en-US" altLang="zh-TW" b="1" dirty="0" smtClean="0">
+              <a:t>開發環境</a:t>
+            </a:r>
+            <a:endParaRPr lang="zh-TW" altLang="en-US" dirty="0"/>
+          </a:p>
+        </p:txBody>
+      </p:sp>
+      <p:sp>
+        <p:nvSpPr>
+          <p:cNvPr id="7" name="文字版面配置區 6"/>
+          <p:cNvSpPr>
+            <a:spLocks noGrp="1"/>
+          </p:cNvSpPr>
+          <p:nvPr>
+            <p:ph type="body" idx="1"/>
+          </p:nvPr>
+        </p:nvSpPr>
+        <p:spPr/>
+        <p:txBody>
+          <a:bodyPr/>
+          <a:lstStyle/>
+          <a:p>
+            <a:endParaRPr lang="zh-TW" altLang="en-US" b="1" dirty="0">
               <a:solidFill>
                 <a:srgbClr val="FF0000"/>
               </a:solidFill>
             </a:endParaRPr>
           </a:p>
-          <a:p>
-            <a:pPr marL="914400" lvl="1" indent="-457200">
-              <a:buFont typeface="+mj-lt"/>
-              <a:buAutoNum type="arabicPeriod"/>
-            </a:pPr>
-            <a:r>
-              <a:rPr lang="zh-TW" altLang="en-US" dirty="0" smtClean="0"/>
-              <a:t>在</a:t>
-            </a:r>
-            <a:r>
-              <a:rPr lang="en-US" altLang="zh-TW" dirty="0"/>
-              <a:t>Connect(</a:t>
-            </a:r>
-            <a:r>
-              <a:rPr lang="zh-TW" altLang="en-US" dirty="0"/>
-              <a:t>連線</a:t>
-            </a:r>
-            <a:r>
-              <a:rPr lang="en-US" altLang="zh-TW" dirty="0"/>
-              <a:t>)</a:t>
-            </a:r>
-            <a:r>
-              <a:rPr lang="zh-TW" altLang="en-US" dirty="0"/>
-              <a:t>下拉，</a:t>
-            </a:r>
-            <a:r>
-              <a:rPr lang="zh-TW" altLang="en-US" dirty="0" smtClean="0"/>
-              <a:t>點選</a:t>
-            </a:r>
-            <a:r>
-              <a:rPr lang="en-US" altLang="zh-TW" dirty="0" smtClean="0"/>
-              <a:t>USB</a:t>
-            </a:r>
-            <a:endParaRPr lang="en-US" altLang="zh-TW" dirty="0"/>
-          </a:p>
-          <a:p>
-            <a:pPr lvl="1"/>
-            <a:endParaRPr lang="zh-TW" altLang="en-US" dirty="0"/>
-          </a:p>
         </p:txBody>
       </p:sp>
     </p:spTree>
     <p:extLst>
       <p:ext uri="{BB962C8B-B14F-4D97-AF65-F5344CB8AC3E}">
-        <p14:creationId xmlns:p14="http://schemas.microsoft.com/office/powerpoint/2010/main" val="1616018298"/>
+        <p14:creationId xmlns:p14="http://schemas.microsoft.com/office/powerpoint/2010/main" val="3442270020"/>
       </p:ext>
     </p:extLst>
   </p:cSld>
